--- a/BD_presentaçao.pptx
+++ b/BD_presentaçao.pptx
@@ -23,6 +23,9 @@
     <p:sldId id="271" r:id="rId18"/>
     <p:sldId id="272" r:id="rId19"/>
     <p:sldId id="273" r:id="rId20"/>
+    <p:sldId id="274" r:id="rId21"/>
+    <p:sldId id="275" r:id="rId22"/>
+    <p:sldId id="276" r:id="rId23"/>
   </p:sldIdLst>
   <p:sldSz cx="12192000" cy="6858000"/>
   <p:notesSz cx="7772400" cy="10058400"/>
@@ -80,7 +83,7 @@
         <p:txBody>
           <a:bodyPr/>
           <a:p>
-            <a:fld id="{C7CE65D9-C681-452A-966F-941401372A2C}" type="slidenum">
+            <a:fld id="{C49E9B97-F4B1-4A44-94B9-90549CC8CF69}" type="slidenum">
               <a:t>&lt;#&gt;</a:t>
             </a:fld>
           </a:p>
@@ -268,7 +271,7 @@
         <p:txBody>
           <a:bodyPr/>
           <a:p>
-            <a:fld id="{B4997D25-3255-49B2-963F-732500B64D26}" type="slidenum">
+            <a:fld id="{FFEDC9AB-2B99-42C1-AA13-0D925FA5DDCD}" type="slidenum">
               <a:t>&lt;#&gt;</a:t>
             </a:fld>
           </a:p>
@@ -524,7 +527,7 @@
         <p:txBody>
           <a:bodyPr/>
           <a:p>
-            <a:fld id="{D3FDC1A8-E7B0-4CFB-8FEF-66E0892F6724}" type="slidenum">
+            <a:fld id="{E0F8A97A-6E0A-4555-8F92-0964D54828C6}" type="slidenum">
               <a:t>&lt;#&gt;</a:t>
             </a:fld>
           </a:p>
@@ -848,7 +851,7 @@
         <p:txBody>
           <a:bodyPr/>
           <a:p>
-            <a:fld id="{13CB873D-FBB4-40EA-B157-891A72CAD4D5}" type="slidenum">
+            <a:fld id="{A36B46BD-EEE0-48BD-8A09-C330B3D5B3D8}" type="slidenum">
               <a:t>&lt;#&gt;</a:t>
             </a:fld>
           </a:p>
@@ -1005,7 +1008,7 @@
         <p:txBody>
           <a:bodyPr/>
           <a:p>
-            <a:fld id="{5CA84B47-0A94-41A0-8475-F7A8898F21DC}" type="slidenum">
+            <a:fld id="{8901A324-A660-4576-861D-3F7DDD834ED9}" type="slidenum">
               <a:t>&lt;#&gt;</a:t>
             </a:fld>
           </a:p>
@@ -1159,7 +1162,7 @@
         <p:txBody>
           <a:bodyPr/>
           <a:p>
-            <a:fld id="{46D6FE3E-2798-4BDC-A09B-70015BA0F50F}" type="slidenum">
+            <a:fld id="{A1F30D64-5F26-413B-B9AD-5823A076ED74}" type="slidenum">
               <a:t>&lt;#&gt;</a:t>
             </a:fld>
           </a:p>
@@ -1347,7 +1350,7 @@
         <p:txBody>
           <a:bodyPr/>
           <a:p>
-            <a:fld id="{24AFCA8C-6376-46E9-BFB6-FEBFC06476C4}" type="slidenum">
+            <a:fld id="{05BF1F16-E9D5-4CA0-B555-446562BE94C6}" type="slidenum">
               <a:t>&lt;#&gt;</a:t>
             </a:fld>
           </a:p>
@@ -1467,7 +1470,7 @@
         <p:txBody>
           <a:bodyPr/>
           <a:p>
-            <a:fld id="{CDFD2C19-BD03-46C2-BDFC-BBC283BED362}" type="slidenum">
+            <a:fld id="{6BF79ECA-B85E-47B1-AC67-51BD3B403799}" type="slidenum">
               <a:t>&lt;#&gt;</a:t>
             </a:fld>
           </a:p>
@@ -1587,7 +1590,7 @@
         <p:txBody>
           <a:bodyPr/>
           <a:p>
-            <a:fld id="{9BF87749-A666-4C34-B01C-93D9EBC09A72}" type="slidenum">
+            <a:fld id="{AE35431D-23E0-4AC7-8368-6B6E25B8ABF2}" type="slidenum">
               <a:t>&lt;#&gt;</a:t>
             </a:fld>
           </a:p>
@@ -1809,7 +1812,7 @@
         <p:txBody>
           <a:bodyPr/>
           <a:p>
-            <a:fld id="{207BA8DD-B98A-48AF-A7E3-6A3DD6D2D8BA}" type="slidenum">
+            <a:fld id="{E6B03A15-FA16-4918-81C7-B600A087A981}" type="slidenum">
               <a:t>&lt;#&gt;</a:t>
             </a:fld>
           </a:p>
@@ -2031,7 +2034,7 @@
         <p:txBody>
           <a:bodyPr/>
           <a:p>
-            <a:fld id="{A0C64A5D-FCB2-49BA-B69D-89577151B686}" type="slidenum">
+            <a:fld id="{780A17FE-F804-477D-B2B7-3B012209EBC4}" type="slidenum">
               <a:t>&lt;#&gt;</a:t>
             </a:fld>
           </a:p>
@@ -2253,7 +2256,7 @@
         <p:txBody>
           <a:bodyPr/>
           <a:p>
-            <a:fld id="{BF17B33B-1698-44AA-AE13-688F91DE4E67}" type="slidenum">
+            <a:fld id="{3D9640D1-F2A7-4DF1-8590-E115B082E38C}" type="slidenum">
               <a:t>&lt;#&gt;</a:t>
             </a:fld>
           </a:p>
@@ -2322,7 +2325,7 @@
         <p:spPr>
           <a:xfrm>
             <a:off x="4038480" y="6356520"/>
-            <a:ext cx="4113360" cy="363600"/>
+            <a:ext cx="4112640" cy="362880"/>
           </a:xfrm>
           <a:prstGeom prst="rect">
             <a:avLst/>
@@ -2379,7 +2382,7 @@
         <p:spPr>
           <a:xfrm>
             <a:off x="8610480" y="6356520"/>
-            <a:ext cx="2741760" cy="363600"/>
+            <a:ext cx="2741040" cy="362880"/>
           </a:xfrm>
           <a:prstGeom prst="rect">
             <a:avLst/>
@@ -2414,7 +2417,7 @@
               </a:lnSpc>
               <a:buNone/>
             </a:pPr>
-            <a:fld id="{7100D6AE-4D2E-4963-BFB3-48C1532198A2}" type="slidenum">
+            <a:fld id="{A0386B15-B01B-492E-8025-371D3529A48D}" type="slidenum">
               <a:rPr b="0" lang="pt-PT" sz="1200" spc="-1" strike="noStrike">
                 <a:solidFill>
                   <a:srgbClr val="8b8b8b"/>
@@ -2442,7 +2445,7 @@
         <p:spPr>
           <a:xfrm>
             <a:off x="838080" y="6356520"/>
-            <a:ext cx="2741760" cy="363600"/>
+            <a:ext cx="2741040" cy="362880"/>
           </a:xfrm>
           <a:prstGeom prst="rect">
             <a:avLst/>
@@ -2751,8 +2754,8 @@
         </p:nvSpPr>
         <p:spPr>
           <a:xfrm>
-            <a:off x="1523880" y="2139120"/>
-            <a:ext cx="9142560" cy="1153800"/>
+            <a:off x="1371600" y="1589760"/>
+            <a:ext cx="9141840" cy="1153080"/>
           </a:xfrm>
           <a:prstGeom prst="rect">
             <a:avLst/>
@@ -2797,7 +2800,7 @@
         <p:spPr>
           <a:xfrm>
             <a:off x="0" y="6233760"/>
-            <a:ext cx="12190680" cy="622800"/>
+            <a:ext cx="12189960" cy="622080"/>
           </a:xfrm>
           <a:prstGeom prst="rect">
             <a:avLst/>
@@ -2834,8 +2837,8 @@
         </p:nvSpPr>
         <p:spPr>
           <a:xfrm>
-            <a:off x="2703240" y="3398040"/>
-            <a:ext cx="6783840" cy="455400"/>
+            <a:off x="2589120" y="2971800"/>
+            <a:ext cx="6783120" cy="455400"/>
           </a:xfrm>
           <a:prstGeom prst="rect">
             <a:avLst/>
@@ -2891,7 +2894,7 @@
         <p:spPr>
           <a:xfrm>
             <a:off x="9718920" y="318240"/>
-            <a:ext cx="1605240" cy="947880"/>
+            <a:ext cx="1604520" cy="947160"/>
           </a:xfrm>
           <a:prstGeom prst="rect">
             <a:avLst/>
@@ -2901,6 +2904,112 @@
           </a:ln>
         </p:spPr>
       </p:pic>
+      <p:sp>
+        <p:nvSpPr>
+          <p:cNvPr id="45" name="CaixaDeTexto 25"/>
+          <p:cNvSpPr/>
+          <p:nvPr/>
+        </p:nvSpPr>
+        <p:spPr>
+          <a:xfrm>
+            <a:off x="8688600" y="4800600"/>
+            <a:ext cx="2513880" cy="1184760"/>
+          </a:xfrm>
+          <a:prstGeom prst="rect">
+            <a:avLst/>
+          </a:prstGeom>
+          <a:noFill/>
+          <a:ln w="0">
+            <a:noFill/>
+          </a:ln>
+        </p:spPr>
+        <p:style>
+          <a:lnRef idx="0"/>
+          <a:fillRef idx="0"/>
+          <a:effectRef idx="0"/>
+          <a:fontRef idx="minor"/>
+        </p:style>
+        <p:txBody>
+          <a:bodyPr numCol="1" spcCol="0" horzOverflow="overflow" vertOverflow="overflow" lIns="90000" rIns="90000" tIns="45000" bIns="45000" anchor="t">
+            <a:spAutoFit/>
+          </a:bodyPr>
+          <a:p>
+            <a:pPr marL="343080" indent="-343080">
+              <a:lnSpc>
+                <a:spcPct val="150000"/>
+              </a:lnSpc>
+              <a:buClr>
+                <a:srgbClr val="000000"/>
+              </a:buClr>
+              <a:buFont typeface="Arial"/>
+              <a:buChar char="•"/>
+            </a:pPr>
+            <a:r>
+              <a:rPr b="0" lang="en" sz="1600" spc="-1" strike="noStrike">
+                <a:solidFill>
+                  <a:srgbClr val="000000"/>
+                </a:solidFill>
+                <a:latin typeface="Consolas"/>
+                <a:ea typeface="DejaVu Sans"/>
+              </a:rPr>
+              <a:t>João Fonseca</a:t>
+            </a:r>
+            <a:endParaRPr b="0" lang="en-US" sz="1600" spc="-1" strike="noStrike">
+              <a:latin typeface="Arial"/>
+            </a:endParaRPr>
+          </a:p>
+          <a:p>
+            <a:pPr marL="343080" indent="-343080">
+              <a:lnSpc>
+                <a:spcPct val="150000"/>
+              </a:lnSpc>
+              <a:buClr>
+                <a:srgbClr val="000000"/>
+              </a:buClr>
+              <a:buFont typeface="Arial"/>
+              <a:buChar char="•"/>
+            </a:pPr>
+            <a:r>
+              <a:rPr b="0" lang="en" sz="1600" spc="-1" strike="noStrike">
+                <a:solidFill>
+                  <a:srgbClr val="000000"/>
+                </a:solidFill>
+                <a:latin typeface="Consolas"/>
+                <a:ea typeface="DejaVu Sans"/>
+              </a:rPr>
+              <a:t>Alexis Correia</a:t>
+            </a:r>
+            <a:endParaRPr b="0" lang="en-US" sz="1600" spc="-1" strike="noStrike">
+              <a:latin typeface="Arial"/>
+            </a:endParaRPr>
+          </a:p>
+          <a:p>
+            <a:pPr marL="343080" indent="-343080">
+              <a:lnSpc>
+                <a:spcPct val="150000"/>
+              </a:lnSpc>
+              <a:buClr>
+                <a:srgbClr val="000000"/>
+              </a:buClr>
+              <a:buFont typeface="Arial"/>
+              <a:buChar char="•"/>
+            </a:pPr>
+            <a:r>
+              <a:rPr b="0" lang="en" sz="1600" spc="-1" strike="noStrike">
+                <a:solidFill>
+                  <a:srgbClr val="000000"/>
+                </a:solidFill>
+                <a:latin typeface="Consolas"/>
+                <a:ea typeface="DejaVu Sans"/>
+              </a:rPr>
+              <a:t>Ricardo Vilaça</a:t>
+            </a:r>
+            <a:endParaRPr b="0" lang="en-US" sz="1600" spc="-1" strike="noStrike">
+              <a:latin typeface="Arial"/>
+            </a:endParaRPr>
+          </a:p>
+        </p:txBody>
+      </p:sp>
     </p:spTree>
   </p:cSld>
   <mc:AlternateContent>
@@ -2933,7 +3042,7 @@
       </p:grpSpPr>
       <p:sp>
         <p:nvSpPr>
-          <p:cNvPr id="85" name="PlaceHolder 1"/>
+          <p:cNvPr id="86" name="PlaceHolder 1"/>
           <p:cNvSpPr>
             <a:spLocks noGrp="1"/>
           </p:cNvSpPr>
@@ -2944,7 +3053,7 @@
         <p:spPr>
           <a:xfrm>
             <a:off x="1525680" y="275040"/>
-            <a:ext cx="9142560" cy="1153800"/>
+            <a:ext cx="9141840" cy="1153080"/>
           </a:xfrm>
           <a:prstGeom prst="rect">
             <a:avLst/>
@@ -2983,14 +3092,14 @@
       </p:sp>
       <p:sp>
         <p:nvSpPr>
-          <p:cNvPr id="86" name="Retângulo 4"/>
+          <p:cNvPr id="87" name="Retângulo 4"/>
           <p:cNvSpPr/>
           <p:nvPr/>
         </p:nvSpPr>
         <p:spPr>
           <a:xfrm>
             <a:off x="0" y="6233760"/>
-            <a:ext cx="12190680" cy="622800"/>
+            <a:ext cx="12189960" cy="622080"/>
           </a:xfrm>
           <a:prstGeom prst="rect">
             <a:avLst/>
@@ -3021,14 +3130,14 @@
       </p:sp>
       <p:sp>
         <p:nvSpPr>
-          <p:cNvPr id="87" name="CaixaDeTexto 5"/>
+          <p:cNvPr id="88" name="CaixaDeTexto 5"/>
           <p:cNvSpPr/>
           <p:nvPr/>
         </p:nvSpPr>
         <p:spPr>
           <a:xfrm>
             <a:off x="1523880" y="1718640"/>
-            <a:ext cx="9025200" cy="4053600"/>
+            <a:ext cx="9024480" cy="4053600"/>
           </a:xfrm>
           <a:prstGeom prst="rect">
             <a:avLst/>
@@ -3238,7 +3347,7 @@
       </p:sp>
       <p:pic>
         <p:nvPicPr>
-          <p:cNvPr id="88" name="Imagem 3" descr=""/>
+          <p:cNvPr id="89" name="Imagem 3" descr=""/>
           <p:cNvPicPr/>
           <p:nvPr/>
         </p:nvPicPr>
@@ -3249,7 +3358,7 @@
         <p:spPr>
           <a:xfrm>
             <a:off x="3240" y="6261480"/>
-            <a:ext cx="1237680" cy="709920"/>
+            <a:ext cx="1236960" cy="709200"/>
           </a:xfrm>
           <a:prstGeom prst="rect">
             <a:avLst/>
@@ -3261,14 +3370,14 @@
       </p:pic>
       <p:sp>
         <p:nvSpPr>
-          <p:cNvPr id="89" name="CaixaDeTexto 13"/>
+          <p:cNvPr id="90" name="CaixaDeTexto 13"/>
           <p:cNvSpPr/>
           <p:nvPr/>
         </p:nvSpPr>
         <p:spPr>
           <a:xfrm>
             <a:off x="6629400" y="6362640"/>
-            <a:ext cx="5856480" cy="333000"/>
+            <a:ext cx="5855760" cy="333000"/>
           </a:xfrm>
           <a:prstGeom prst="rect">
             <a:avLst/>
@@ -3343,7 +3452,7 @@
       </p:grpSpPr>
       <p:sp>
         <p:nvSpPr>
-          <p:cNvPr id="90" name="PlaceHolder 1"/>
+          <p:cNvPr id="91" name="PlaceHolder 1"/>
           <p:cNvSpPr>
             <a:spLocks noGrp="1"/>
           </p:cNvSpPr>
@@ -3354,7 +3463,7 @@
         <p:spPr>
           <a:xfrm>
             <a:off x="1525680" y="275040"/>
-            <a:ext cx="9142560" cy="1153800"/>
+            <a:ext cx="9141840" cy="1153080"/>
           </a:xfrm>
           <a:prstGeom prst="rect">
             <a:avLst/>
@@ -3393,14 +3502,14 @@
       </p:sp>
       <p:sp>
         <p:nvSpPr>
-          <p:cNvPr id="91" name="Retângulo 4"/>
+          <p:cNvPr id="92" name="Retângulo 4"/>
           <p:cNvSpPr/>
           <p:nvPr/>
         </p:nvSpPr>
         <p:spPr>
           <a:xfrm>
             <a:off x="0" y="6233760"/>
-            <a:ext cx="12190680" cy="622800"/>
+            <a:ext cx="12189960" cy="622080"/>
           </a:xfrm>
           <a:prstGeom prst="rect">
             <a:avLst/>
@@ -3431,14 +3540,14 @@
       </p:sp>
       <p:sp>
         <p:nvSpPr>
-          <p:cNvPr id="92" name="CaixaDeTexto 5"/>
+          <p:cNvPr id="93" name="CaixaDeTexto 5"/>
           <p:cNvSpPr/>
           <p:nvPr/>
         </p:nvSpPr>
         <p:spPr>
           <a:xfrm>
             <a:off x="1523880" y="1718640"/>
-            <a:ext cx="9025200" cy="5699880"/>
+            <a:ext cx="9024480" cy="5699880"/>
           </a:xfrm>
           <a:prstGeom prst="rect">
             <a:avLst/>
@@ -3750,7 +3859,7 @@
       </p:sp>
       <p:pic>
         <p:nvPicPr>
-          <p:cNvPr id="93" name="Imagem 3" descr=""/>
+          <p:cNvPr id="94" name="Imagem 3" descr=""/>
           <p:cNvPicPr/>
           <p:nvPr/>
         </p:nvPicPr>
@@ -3761,7 +3870,7 @@
         <p:spPr>
           <a:xfrm>
             <a:off x="3240" y="6261480"/>
-            <a:ext cx="1237680" cy="709920"/>
+            <a:ext cx="1236960" cy="709200"/>
           </a:xfrm>
           <a:prstGeom prst="rect">
             <a:avLst/>
@@ -3773,14 +3882,14 @@
       </p:pic>
       <p:sp>
         <p:nvSpPr>
-          <p:cNvPr id="94" name="CaixaDeTexto 14"/>
+          <p:cNvPr id="95" name="CaixaDeTexto 14"/>
           <p:cNvSpPr/>
           <p:nvPr/>
         </p:nvSpPr>
         <p:spPr>
           <a:xfrm>
             <a:off x="6629400" y="6362640"/>
-            <a:ext cx="5856480" cy="333000"/>
+            <a:ext cx="5855760" cy="333000"/>
           </a:xfrm>
           <a:prstGeom prst="rect">
             <a:avLst/>
@@ -3855,7 +3964,7 @@
       </p:grpSpPr>
       <p:sp>
         <p:nvSpPr>
-          <p:cNvPr id="95" name="PlaceHolder 1"/>
+          <p:cNvPr id="96" name="PlaceHolder 1"/>
           <p:cNvSpPr>
             <a:spLocks noGrp="1"/>
           </p:cNvSpPr>
@@ -3866,7 +3975,7 @@
         <p:spPr>
           <a:xfrm>
             <a:off x="1525680" y="275040"/>
-            <a:ext cx="9142560" cy="1153800"/>
+            <a:ext cx="9141840" cy="1153080"/>
           </a:xfrm>
           <a:prstGeom prst="rect">
             <a:avLst/>
@@ -3905,14 +4014,14 @@
       </p:sp>
       <p:sp>
         <p:nvSpPr>
-          <p:cNvPr id="96" name="Retângulo 1"/>
+          <p:cNvPr id="97" name="Retângulo 1"/>
           <p:cNvSpPr/>
           <p:nvPr/>
         </p:nvSpPr>
         <p:spPr>
           <a:xfrm>
             <a:off x="0" y="6233760"/>
-            <a:ext cx="12190680" cy="622800"/>
+            <a:ext cx="12189960" cy="622080"/>
           </a:xfrm>
           <a:prstGeom prst="rect">
             <a:avLst/>
@@ -3943,14 +4052,14 @@
       </p:sp>
       <p:sp>
         <p:nvSpPr>
-          <p:cNvPr id="97" name="CaixaDeTexto 11"/>
+          <p:cNvPr id="98" name="CaixaDeTexto 11"/>
           <p:cNvSpPr/>
           <p:nvPr/>
         </p:nvSpPr>
         <p:spPr>
           <a:xfrm>
             <a:off x="1523880" y="1718640"/>
-            <a:ext cx="9025200" cy="4480200"/>
+            <a:ext cx="9024480" cy="4480200"/>
           </a:xfrm>
           <a:prstGeom prst="rect">
             <a:avLst/>
@@ -4204,7 +4313,7 @@
       </p:sp>
       <p:pic>
         <p:nvPicPr>
-          <p:cNvPr id="98" name="Imagem 1" descr=""/>
+          <p:cNvPr id="99" name="Imagem 1" descr=""/>
           <p:cNvPicPr/>
           <p:nvPr/>
         </p:nvPicPr>
@@ -4215,7 +4324,7 @@
         <p:spPr>
           <a:xfrm>
             <a:off x="3240" y="6261480"/>
-            <a:ext cx="1237680" cy="709920"/>
+            <a:ext cx="1236960" cy="709200"/>
           </a:xfrm>
           <a:prstGeom prst="rect">
             <a:avLst/>
@@ -4227,14 +4336,14 @@
       </p:pic>
       <p:sp>
         <p:nvSpPr>
-          <p:cNvPr id="99" name="CaixaDeTexto 20"/>
+          <p:cNvPr id="100" name="CaixaDeTexto 20"/>
           <p:cNvSpPr/>
           <p:nvPr/>
         </p:nvSpPr>
         <p:spPr>
           <a:xfrm>
             <a:off x="6629400" y="6362640"/>
-            <a:ext cx="5856480" cy="333000"/>
+            <a:ext cx="5855760" cy="333000"/>
           </a:xfrm>
           <a:prstGeom prst="rect">
             <a:avLst/>
@@ -4309,7 +4418,7 @@
       </p:grpSpPr>
       <p:sp>
         <p:nvSpPr>
-          <p:cNvPr id="100" name="PlaceHolder 1"/>
+          <p:cNvPr id="101" name="PlaceHolder 1"/>
           <p:cNvSpPr>
             <a:spLocks noGrp="1"/>
           </p:cNvSpPr>
@@ -4320,7 +4429,7 @@
         <p:spPr>
           <a:xfrm>
             <a:off x="1525680" y="275040"/>
-            <a:ext cx="9142560" cy="1153800"/>
+            <a:ext cx="9141840" cy="1153080"/>
           </a:xfrm>
           <a:prstGeom prst="rect">
             <a:avLst/>
@@ -4359,14 +4468,14 @@
       </p:sp>
       <p:sp>
         <p:nvSpPr>
-          <p:cNvPr id="101" name="Retângulo 4"/>
+          <p:cNvPr id="102" name="Retângulo 4"/>
           <p:cNvSpPr/>
           <p:nvPr/>
         </p:nvSpPr>
         <p:spPr>
           <a:xfrm>
             <a:off x="0" y="6233760"/>
-            <a:ext cx="12190680" cy="622800"/>
+            <a:ext cx="12189960" cy="622080"/>
           </a:xfrm>
           <a:prstGeom prst="rect">
             <a:avLst/>
@@ -4397,14 +4506,14 @@
       </p:sp>
       <p:sp>
         <p:nvSpPr>
-          <p:cNvPr id="102" name="CaixaDeTexto 5"/>
+          <p:cNvPr id="103" name="CaixaDeTexto 5"/>
           <p:cNvSpPr/>
           <p:nvPr/>
         </p:nvSpPr>
         <p:spPr>
           <a:xfrm>
             <a:off x="1523880" y="1718640"/>
-            <a:ext cx="9025200" cy="3199680"/>
+            <a:ext cx="9024480" cy="3199680"/>
           </a:xfrm>
           <a:prstGeom prst="rect">
             <a:avLst/>
@@ -4600,7 +4709,7 @@
       </p:sp>
       <p:pic>
         <p:nvPicPr>
-          <p:cNvPr id="103" name="Imagem 3" descr=""/>
+          <p:cNvPr id="104" name="Imagem 3" descr=""/>
           <p:cNvPicPr/>
           <p:nvPr/>
         </p:nvPicPr>
@@ -4611,7 +4720,7 @@
         <p:spPr>
           <a:xfrm>
             <a:off x="3240" y="6261480"/>
-            <a:ext cx="1237680" cy="709920"/>
+            <a:ext cx="1236960" cy="709200"/>
           </a:xfrm>
           <a:prstGeom prst="rect">
             <a:avLst/>
@@ -4623,14 +4732,14 @@
       </p:pic>
       <p:sp>
         <p:nvSpPr>
-          <p:cNvPr id="104" name="CaixaDeTexto 15"/>
+          <p:cNvPr id="105" name="CaixaDeTexto 15"/>
           <p:cNvSpPr/>
           <p:nvPr/>
         </p:nvSpPr>
         <p:spPr>
           <a:xfrm>
             <a:off x="6629400" y="6362640"/>
-            <a:ext cx="5856480" cy="333000"/>
+            <a:ext cx="5855760" cy="333000"/>
           </a:xfrm>
           <a:prstGeom prst="rect">
             <a:avLst/>
@@ -4705,7 +4814,7 @@
       </p:grpSpPr>
       <p:sp>
         <p:nvSpPr>
-          <p:cNvPr id="105" name="PlaceHolder 1"/>
+          <p:cNvPr id="106" name="PlaceHolder 1"/>
           <p:cNvSpPr>
             <a:spLocks noGrp="1"/>
           </p:cNvSpPr>
@@ -4716,7 +4825,7 @@
         <p:spPr>
           <a:xfrm>
             <a:off x="1525680" y="275040"/>
-            <a:ext cx="9142560" cy="1153800"/>
+            <a:ext cx="9141840" cy="1153080"/>
           </a:xfrm>
           <a:prstGeom prst="rect">
             <a:avLst/>
@@ -4755,14 +4864,14 @@
       </p:sp>
       <p:sp>
         <p:nvSpPr>
-          <p:cNvPr id="106" name="Retângulo 2"/>
+          <p:cNvPr id="107" name="Retângulo 2"/>
           <p:cNvSpPr/>
           <p:nvPr/>
         </p:nvSpPr>
         <p:spPr>
           <a:xfrm>
             <a:off x="0" y="6233760"/>
-            <a:ext cx="12190680" cy="622800"/>
+            <a:ext cx="12189960" cy="622080"/>
           </a:xfrm>
           <a:prstGeom prst="rect">
             <a:avLst/>
@@ -4793,14 +4902,14 @@
       </p:sp>
       <p:sp>
         <p:nvSpPr>
-          <p:cNvPr id="107" name="CaixaDeTexto 21"/>
+          <p:cNvPr id="108" name="CaixaDeTexto 21"/>
           <p:cNvSpPr/>
           <p:nvPr/>
         </p:nvSpPr>
         <p:spPr>
           <a:xfrm>
             <a:off x="1523880" y="1718640"/>
-            <a:ext cx="9025200" cy="4785120"/>
+            <a:ext cx="9024480" cy="4785120"/>
           </a:xfrm>
           <a:prstGeom prst="rect">
             <a:avLst/>
@@ -4990,7 +5099,7 @@
       </p:sp>
       <p:pic>
         <p:nvPicPr>
-          <p:cNvPr id="108" name="Imagem 2" descr=""/>
+          <p:cNvPr id="109" name="Imagem 2" descr=""/>
           <p:cNvPicPr/>
           <p:nvPr/>
         </p:nvPicPr>
@@ -5001,7 +5110,7 @@
         <p:spPr>
           <a:xfrm>
             <a:off x="3240" y="6261480"/>
-            <a:ext cx="1237680" cy="709920"/>
+            <a:ext cx="1236960" cy="709200"/>
           </a:xfrm>
           <a:prstGeom prst="rect">
             <a:avLst/>
@@ -5013,14 +5122,14 @@
       </p:pic>
       <p:sp>
         <p:nvSpPr>
-          <p:cNvPr id="109" name="CaixaDeTexto 22"/>
+          <p:cNvPr id="110" name="CaixaDeTexto 22"/>
           <p:cNvSpPr/>
           <p:nvPr/>
         </p:nvSpPr>
         <p:spPr>
           <a:xfrm>
             <a:off x="6629400" y="6362640"/>
-            <a:ext cx="5856480" cy="333000"/>
+            <a:ext cx="5855760" cy="333000"/>
           </a:xfrm>
           <a:prstGeom prst="rect">
             <a:avLst/>
@@ -5095,7 +5204,7 @@
       </p:grpSpPr>
       <p:sp>
         <p:nvSpPr>
-          <p:cNvPr id="110" name="PlaceHolder 1"/>
+          <p:cNvPr id="111" name="PlaceHolder 1"/>
           <p:cNvSpPr>
             <a:spLocks noGrp="1"/>
           </p:cNvSpPr>
@@ -5106,7 +5215,7 @@
         <p:spPr>
           <a:xfrm>
             <a:off x="1525680" y="275040"/>
-            <a:ext cx="9142560" cy="1153800"/>
+            <a:ext cx="9141840" cy="1153080"/>
           </a:xfrm>
           <a:prstGeom prst="rect">
             <a:avLst/>
@@ -5145,14 +5254,14 @@
       </p:sp>
       <p:sp>
         <p:nvSpPr>
-          <p:cNvPr id="111" name="Retângulo 3"/>
+          <p:cNvPr id="112" name="Retângulo 3"/>
           <p:cNvSpPr/>
           <p:nvPr/>
         </p:nvSpPr>
         <p:spPr>
           <a:xfrm>
             <a:off x="0" y="6233760"/>
-            <a:ext cx="12190680" cy="622800"/>
+            <a:ext cx="12189960" cy="622080"/>
           </a:xfrm>
           <a:prstGeom prst="rect">
             <a:avLst/>
@@ -5183,14 +5292,14 @@
       </p:sp>
       <p:sp>
         <p:nvSpPr>
-          <p:cNvPr id="112" name="CaixaDeTexto 16"/>
+          <p:cNvPr id="113" name="CaixaDeTexto 16"/>
           <p:cNvSpPr/>
           <p:nvPr/>
         </p:nvSpPr>
         <p:spPr>
           <a:xfrm>
             <a:off x="1523880" y="1718640"/>
-            <a:ext cx="9025200" cy="4480200"/>
+            <a:ext cx="9024480" cy="4480200"/>
           </a:xfrm>
           <a:prstGeom prst="rect">
             <a:avLst/>
@@ -5422,7 +5531,7 @@
       </p:sp>
       <p:pic>
         <p:nvPicPr>
-          <p:cNvPr id="113" name="Imagem 4" descr=""/>
+          <p:cNvPr id="114" name="Imagem 4" descr=""/>
           <p:cNvPicPr/>
           <p:nvPr/>
         </p:nvPicPr>
@@ -5433,7 +5542,7 @@
         <p:spPr>
           <a:xfrm>
             <a:off x="3240" y="6261480"/>
-            <a:ext cx="1237680" cy="709920"/>
+            <a:ext cx="1236960" cy="709200"/>
           </a:xfrm>
           <a:prstGeom prst="rect">
             <a:avLst/>
@@ -5445,14 +5554,14 @@
       </p:pic>
       <p:sp>
         <p:nvSpPr>
-          <p:cNvPr id="114" name="CaixaDeTexto 17"/>
+          <p:cNvPr id="115" name="CaixaDeTexto 17"/>
           <p:cNvSpPr/>
           <p:nvPr/>
         </p:nvSpPr>
         <p:spPr>
           <a:xfrm>
             <a:off x="6629400" y="6362640"/>
-            <a:ext cx="5856480" cy="333000"/>
+            <a:ext cx="5855760" cy="333000"/>
           </a:xfrm>
           <a:prstGeom prst="rect">
             <a:avLst/>
@@ -5527,7 +5636,7 @@
       </p:grpSpPr>
       <p:sp>
         <p:nvSpPr>
-          <p:cNvPr id="115" name="PlaceHolder 1"/>
+          <p:cNvPr id="116" name="PlaceHolder 1"/>
           <p:cNvSpPr>
             <a:spLocks noGrp="1"/>
           </p:cNvSpPr>
@@ -5538,7 +5647,7 @@
         <p:spPr>
           <a:xfrm>
             <a:off x="1525680" y="275040"/>
-            <a:ext cx="9142560" cy="1153800"/>
+            <a:ext cx="9141840" cy="1153080"/>
           </a:xfrm>
           <a:prstGeom prst="rect">
             <a:avLst/>
@@ -5577,14 +5686,14 @@
       </p:sp>
       <p:sp>
         <p:nvSpPr>
-          <p:cNvPr id="116" name="Retângulo 5"/>
+          <p:cNvPr id="117" name="Retângulo 5"/>
           <p:cNvSpPr/>
           <p:nvPr/>
         </p:nvSpPr>
         <p:spPr>
           <a:xfrm>
             <a:off x="0" y="6233760"/>
-            <a:ext cx="12190680" cy="622800"/>
+            <a:ext cx="12189960" cy="622080"/>
           </a:xfrm>
           <a:prstGeom prst="rect">
             <a:avLst/>
@@ -5615,14 +5724,14 @@
       </p:sp>
       <p:sp>
         <p:nvSpPr>
-          <p:cNvPr id="117" name="CaixaDeTexto 23"/>
+          <p:cNvPr id="118" name="CaixaDeTexto 23"/>
           <p:cNvSpPr/>
           <p:nvPr/>
         </p:nvSpPr>
         <p:spPr>
           <a:xfrm>
             <a:off x="1523880" y="1718640"/>
-            <a:ext cx="9025200" cy="4114440"/>
+            <a:ext cx="9024480" cy="4114440"/>
           </a:xfrm>
           <a:prstGeom prst="rect">
             <a:avLst/>
@@ -5793,7 +5902,7 @@
       </p:sp>
       <p:pic>
         <p:nvPicPr>
-          <p:cNvPr id="118" name="Imagem 5" descr=""/>
+          <p:cNvPr id="119" name="Imagem 5" descr=""/>
           <p:cNvPicPr/>
           <p:nvPr/>
         </p:nvPicPr>
@@ -5804,7 +5913,7 @@
         <p:spPr>
           <a:xfrm>
             <a:off x="3240" y="6261480"/>
-            <a:ext cx="1237680" cy="709920"/>
+            <a:ext cx="1236960" cy="709200"/>
           </a:xfrm>
           <a:prstGeom prst="rect">
             <a:avLst/>
@@ -5816,14 +5925,14 @@
       </p:pic>
       <p:sp>
         <p:nvSpPr>
-          <p:cNvPr id="119" name="CaixaDeTexto 24"/>
+          <p:cNvPr id="120" name="CaixaDeTexto 24"/>
           <p:cNvSpPr/>
           <p:nvPr/>
         </p:nvSpPr>
         <p:spPr>
           <a:xfrm>
             <a:off x="6629400" y="6362640"/>
-            <a:ext cx="5856480" cy="333000"/>
+            <a:ext cx="5855760" cy="333000"/>
           </a:xfrm>
           <a:prstGeom prst="rect">
             <a:avLst/>
@@ -5898,7 +6007,7 @@
       </p:grpSpPr>
       <p:sp>
         <p:nvSpPr>
-          <p:cNvPr id="120" name="PlaceHolder 1"/>
+          <p:cNvPr id="121" name="PlaceHolder 1"/>
           <p:cNvSpPr>
             <a:spLocks noGrp="1"/>
           </p:cNvSpPr>
@@ -5908,8 +6017,8 @@
         </p:nvSpPr>
         <p:spPr>
           <a:xfrm>
-            <a:off x="621720" y="-131400"/>
-            <a:ext cx="9142560" cy="1153800"/>
+            <a:off x="1525680" y="275040"/>
+            <a:ext cx="9141840" cy="1153080"/>
           </a:xfrm>
           <a:prstGeom prst="rect">
             <a:avLst/>
@@ -5938,18 +6047,7 @@
                 <a:latin typeface="Calibri"/>
                 <a:ea typeface="Calibri Light"/>
               </a:rPr>
-              <a:t>3- </a:t>
-            </a:r>
-            <a:r>
-              <a:rPr b="0" lang="pt-PT" sz="4000" spc="-1" strike="noStrike" u="sng">
-                <a:solidFill>
-                  <a:srgbClr val="870f11"/>
-                </a:solidFill>
-                <a:uFillTx/>
-                <a:latin typeface="Calibri"/>
-                <a:ea typeface="Calibri Light"/>
-              </a:rPr>
-              <a:t>Modelo Conceptual</a:t>
+              <a:t>Satisfação de Requisitos de Exploração</a:t>
             </a:r>
             <a:endParaRPr b="0" lang="en-US" sz="4000" spc="-1" strike="noStrike">
               <a:latin typeface="Arial"/>
@@ -5959,14 +6057,14 @@
       </p:sp>
       <p:sp>
         <p:nvSpPr>
-          <p:cNvPr id="121" name="Retângulo 4"/>
+          <p:cNvPr id="122" name="Retângulo 13"/>
           <p:cNvSpPr/>
           <p:nvPr/>
         </p:nvSpPr>
         <p:spPr>
           <a:xfrm>
             <a:off x="0" y="6233760"/>
-            <a:ext cx="12190680" cy="622800"/>
+            <a:ext cx="12189960" cy="622080"/>
           </a:xfrm>
           <a:prstGeom prst="rect">
             <a:avLst/>
@@ -5997,14 +6095,14 @@
       </p:sp>
       <p:sp>
         <p:nvSpPr>
-          <p:cNvPr id="122" name="CaixaDeTexto 5"/>
+          <p:cNvPr id="123" name="CaixaDeTexto 34"/>
           <p:cNvSpPr/>
           <p:nvPr/>
         </p:nvSpPr>
         <p:spPr>
           <a:xfrm>
-            <a:off x="1523880" y="1718640"/>
-            <a:ext cx="9025200" cy="1126080"/>
+            <a:off x="838080" y="1875240"/>
+            <a:ext cx="10134360" cy="3854160"/>
           </a:xfrm>
           <a:prstGeom prst="rect">
             <a:avLst/>
@@ -6025,24 +6123,210 @@
             <a:spAutoFit/>
           </a:bodyPr>
           <a:p>
-            <a:pPr algn="just">
-              <a:lnSpc>
-                <a:spcPct val="100000"/>
-              </a:lnSpc>
-              <a:buNone/>
-            </a:pPr>
-            <a:endParaRPr b="0" lang="en-US" sz="2000" spc="-1" strike="noStrike">
-              <a:latin typeface="Arial"/>
-            </a:endParaRPr>
-          </a:p>
-          <a:p>
-            <a:pPr algn="ctr">
-              <a:lnSpc>
-                <a:spcPct val="100000"/>
-              </a:lnSpc>
-              <a:buNone/>
-            </a:pPr>
-            <a:endParaRPr b="0" lang="en-US" sz="2400" spc="-1" strike="noStrike">
+            <a:pPr>
+              <a:lnSpc>
+                <a:spcPct val="100000"/>
+              </a:lnSpc>
+              <a:buNone/>
+            </a:pPr>
+            <a:endParaRPr b="0" lang="en-US" sz="2000" spc="-1" strike="noStrike">
+              <a:latin typeface="Arial"/>
+            </a:endParaRPr>
+          </a:p>
+          <a:p>
+            <a:pPr marL="343080" indent="-343080">
+              <a:lnSpc>
+                <a:spcPct val="100000"/>
+              </a:lnSpc>
+              <a:buClr>
+                <a:srgbClr val="000000"/>
+              </a:buClr>
+              <a:buFont typeface="Arial"/>
+              <a:buChar char="•"/>
+            </a:pPr>
+            <a:r>
+              <a:rPr b="0" lang="en" sz="2000" spc="-1" strike="noStrike">
+                <a:solidFill>
+                  <a:srgbClr val="000000"/>
+                </a:solidFill>
+                <a:latin typeface="Calibri"/>
+                <a:ea typeface="Calibri"/>
+              </a:rPr>
+              <a:t>Lista dos países e o número de medalhas adquiridas, ordenados por ordem decrescente:</a:t>
+            </a:r>
+            <a:endParaRPr b="0" lang="en-US" sz="2000" spc="-1" strike="noStrike">
+              <a:latin typeface="Arial"/>
+            </a:endParaRPr>
+          </a:p>
+          <a:p>
+            <a:pPr>
+              <a:lnSpc>
+                <a:spcPct val="100000"/>
+              </a:lnSpc>
+              <a:buNone/>
+            </a:pPr>
+            <a:endParaRPr b="0" lang="en-US" sz="2000" spc="-1" strike="noStrike">
+              <a:latin typeface="Arial"/>
+            </a:endParaRPr>
+          </a:p>
+          <a:p>
+            <a:pPr marL="343080" indent="-343080">
+              <a:lnSpc>
+                <a:spcPct val="100000"/>
+              </a:lnSpc>
+              <a:buClr>
+                <a:srgbClr val="000000"/>
+              </a:buClr>
+              <a:buFont typeface="Arial"/>
+              <a:buChar char="•"/>
+            </a:pPr>
+            <a:r>
+              <a:rPr b="0" i="1" lang="en" sz="1400" spc="-1" strike="noStrike">
+                <a:solidFill>
+                  <a:srgbClr val="000000"/>
+                </a:solidFill>
+                <a:latin typeface="Calibri"/>
+                <a:ea typeface="Calibri"/>
+              </a:rPr>
+              <a:t>τ numMedalhas DESC(γ pais,COUNT(∗)→numMedalhas(π pais((((σ posicao&lt;=3(Resultado))⨝Atleta)⨝Equipa)⨝Delegacao)))</a:t>
+            </a:r>
+            <a:endParaRPr b="0" lang="en-US" sz="1400" spc="-1" strike="noStrike">
+              <a:latin typeface="Arial"/>
+            </a:endParaRPr>
+          </a:p>
+          <a:p>
+            <a:pPr>
+              <a:lnSpc>
+                <a:spcPct val="100000"/>
+              </a:lnSpc>
+              <a:buNone/>
+            </a:pPr>
+            <a:endParaRPr b="0" lang="en-US" sz="1400" spc="-1" strike="noStrike">
+              <a:latin typeface="Arial"/>
+            </a:endParaRPr>
+          </a:p>
+          <a:p>
+            <a:pPr>
+              <a:lnSpc>
+                <a:spcPct val="100000"/>
+              </a:lnSpc>
+              <a:buNone/>
+            </a:pPr>
+            <a:endParaRPr b="0" lang="en-US" sz="2000" spc="-1" strike="noStrike">
+              <a:latin typeface="Arial"/>
+            </a:endParaRPr>
+          </a:p>
+          <a:p>
+            <a:pPr marL="343080" indent="-343080">
+              <a:lnSpc>
+                <a:spcPct val="100000"/>
+              </a:lnSpc>
+              <a:buClr>
+                <a:srgbClr val="000000"/>
+              </a:buClr>
+              <a:buFont typeface="Arial"/>
+              <a:buChar char="•"/>
+            </a:pPr>
+            <a:r>
+              <a:rPr b="0" lang="en" sz="2000" spc="-1" strike="noStrike">
+                <a:solidFill>
+                  <a:srgbClr val="000000"/>
+                </a:solidFill>
+                <a:latin typeface="Calibri"/>
+                <a:ea typeface="Calibri"/>
+              </a:rPr>
+              <a:t>Lista dos atletas que não foram classificados em um determinado evento: </a:t>
+            </a:r>
+            <a:endParaRPr b="0" lang="en-US" sz="2000" spc="-1" strike="noStrike">
+              <a:latin typeface="Arial"/>
+            </a:endParaRPr>
+          </a:p>
+          <a:p>
+            <a:pPr marL="343080" indent="-343080">
+              <a:lnSpc>
+                <a:spcPct val="100000"/>
+              </a:lnSpc>
+              <a:buClr>
+                <a:srgbClr val="000000"/>
+              </a:buClr>
+              <a:buFont typeface="Arial"/>
+              <a:buChar char="•"/>
+            </a:pPr>
+            <a:r>
+              <a:rPr b="0" lang="en" sz="2000" spc="-1" strike="noStrike">
+                <a:solidFill>
+                  <a:srgbClr val="000000"/>
+                </a:solidFill>
+                <a:latin typeface="Calibri"/>
+                <a:ea typeface="Calibri"/>
+              </a:rPr>
+              <a:t>Seja 'e' o id do Evento, então</a:t>
+            </a:r>
+            <a:endParaRPr b="0" lang="en-US" sz="2000" spc="-1" strike="noStrike">
+              <a:latin typeface="Arial"/>
+            </a:endParaRPr>
+          </a:p>
+          <a:p>
+            <a:pPr>
+              <a:lnSpc>
+                <a:spcPct val="100000"/>
+              </a:lnSpc>
+              <a:buNone/>
+            </a:pPr>
+            <a:endParaRPr b="0" lang="en-US" sz="2000" spc="-1" strike="noStrike">
+              <a:latin typeface="Arial"/>
+            </a:endParaRPr>
+          </a:p>
+          <a:p>
+            <a:pPr>
+              <a:lnSpc>
+                <a:spcPct val="100000"/>
+              </a:lnSpc>
+              <a:buNone/>
+            </a:pPr>
+            <a:r>
+              <a:rPr b="0" i="1" lang="en" sz="1400" spc="-1" strike="noStrike">
+                <a:solidFill>
+                  <a:srgbClr val="000000"/>
+                </a:solidFill>
+                <a:latin typeface="Calibri"/>
+                <a:ea typeface="Calibri"/>
+              </a:rPr>
+              <a:t>        </a:t>
+            </a:r>
+            <a:r>
+              <a:rPr b="0" i="1" lang="en" sz="1500" spc="-1" strike="noStrike">
+                <a:solidFill>
+                  <a:srgbClr val="000000"/>
+                </a:solidFill>
+                <a:latin typeface="Calibri"/>
+                <a:ea typeface="Calibri"/>
+              </a:rPr>
+              <a:t>πidAtleta,nome((σclassificado=0(σidEvento=e(Resultado)))⋈(Atleta))</a:t>
+            </a:r>
+            <a:endParaRPr b="0" lang="en-US" sz="1500" spc="-1" strike="noStrike">
+              <a:latin typeface="Arial"/>
+            </a:endParaRPr>
+          </a:p>
+          <a:p>
+            <a:pPr>
+              <a:lnSpc>
+                <a:spcPct val="100000"/>
+              </a:lnSpc>
+              <a:buNone/>
+            </a:pPr>
+            <a:endParaRPr b="0" lang="en-US" sz="2000" spc="-1" strike="noStrike">
+              <a:latin typeface="Arial"/>
+            </a:endParaRPr>
+          </a:p>
+          <a:p>
+            <a:pPr>
+              <a:lnSpc>
+                <a:spcPct val="100000"/>
+              </a:lnSpc>
+              <a:buNone/>
+            </a:pPr>
+            <a:endParaRPr b="0" lang="en-US" sz="2000" spc="-1" strike="noStrike">
               <a:latin typeface="Arial"/>
             </a:endParaRPr>
           </a:p>
@@ -6061,7 +6345,7 @@
       </p:sp>
       <p:pic>
         <p:nvPicPr>
-          <p:cNvPr id="123" name="Imagem 3" descr=""/>
+          <p:cNvPr id="124" name="Imagem 14" descr=""/>
           <p:cNvPicPr/>
           <p:nvPr/>
         </p:nvPicPr>
@@ -6072,7 +6356,7 @@
         <p:spPr>
           <a:xfrm>
             <a:off x="3240" y="6261480"/>
-            <a:ext cx="1237680" cy="709920"/>
+            <a:ext cx="1236960" cy="709200"/>
           </a:xfrm>
           <a:prstGeom prst="rect">
             <a:avLst/>
@@ -6084,14 +6368,14 @@
       </p:pic>
       <p:sp>
         <p:nvSpPr>
-          <p:cNvPr id="124" name="CaixaDeTexto 18"/>
+          <p:cNvPr id="125" name="CaixaDeTexto 35"/>
           <p:cNvSpPr/>
           <p:nvPr/>
         </p:nvSpPr>
         <p:spPr>
           <a:xfrm>
             <a:off x="6629400" y="6362640"/>
-            <a:ext cx="5856480" cy="333000"/>
+            <a:ext cx="5855760" cy="333000"/>
           </a:xfrm>
           <a:prstGeom prst="rect">
             <a:avLst/>
@@ -6134,29 +6418,6 @@
           </a:p>
         </p:txBody>
       </p:sp>
-      <p:pic>
-        <p:nvPicPr>
-          <p:cNvPr id="125" name="" descr=""/>
-          <p:cNvPicPr/>
-          <p:nvPr/>
-        </p:nvPicPr>
-        <p:blipFill>
-          <a:blip r:embed="rId2"/>
-          <a:stretch/>
-        </p:blipFill>
-        <p:spPr>
-          <a:xfrm rot="21594000">
-            <a:off x="2419200" y="1132200"/>
-            <a:ext cx="7133760" cy="4950360"/>
-          </a:xfrm>
-          <a:prstGeom prst="rect">
-            <a:avLst/>
-          </a:prstGeom>
-          <a:ln w="0">
-            <a:noFill/>
-          </a:ln>
-        </p:spPr>
-      </p:pic>
     </p:spTree>
   </p:cSld>
   <mc:AlternateContent>
@@ -6200,7 +6461,7 @@
         <p:spPr>
           <a:xfrm>
             <a:off x="621720" y="-131400"/>
-            <a:ext cx="9142560" cy="1153800"/>
+            <a:ext cx="9141840" cy="1153080"/>
           </a:xfrm>
           <a:prstGeom prst="rect">
             <a:avLst/>
@@ -6229,7 +6490,7 @@
                 <a:latin typeface="Calibri"/>
                 <a:ea typeface="Calibri Light"/>
               </a:rPr>
-              <a:t>4- </a:t>
+              <a:t>3- </a:t>
             </a:r>
             <a:r>
               <a:rPr b="0" lang="pt-PT" sz="4000" spc="-1" strike="noStrike" u="sng">
@@ -6240,7 +6501,7 @@
                 <a:latin typeface="Calibri"/>
                 <a:ea typeface="Calibri Light"/>
               </a:rPr>
-              <a:t>Modelo Lógico</a:t>
+              <a:t>Modelo Conceptual</a:t>
             </a:r>
             <a:endParaRPr b="0" lang="en-US" sz="4000" spc="-1" strike="noStrike">
               <a:latin typeface="Arial"/>
@@ -6250,14 +6511,14 @@
       </p:sp>
       <p:sp>
         <p:nvSpPr>
-          <p:cNvPr id="127" name="Retângulo 4"/>
+          <p:cNvPr id="127" name="Retângulo 8"/>
           <p:cNvSpPr/>
           <p:nvPr/>
         </p:nvSpPr>
         <p:spPr>
           <a:xfrm>
             <a:off x="0" y="6233760"/>
-            <a:ext cx="12190680" cy="622800"/>
+            <a:ext cx="12189960" cy="622080"/>
           </a:xfrm>
           <a:prstGeom prst="rect">
             <a:avLst/>
@@ -6288,14 +6549,14 @@
       </p:sp>
       <p:sp>
         <p:nvSpPr>
-          <p:cNvPr id="128" name="CaixaDeTexto 5"/>
+          <p:cNvPr id="128" name="CaixaDeTexto 19"/>
           <p:cNvSpPr/>
           <p:nvPr/>
         </p:nvSpPr>
         <p:spPr>
           <a:xfrm>
             <a:off x="1523880" y="1718640"/>
-            <a:ext cx="9025200" cy="1126080"/>
+            <a:ext cx="9024480" cy="1126080"/>
           </a:xfrm>
           <a:prstGeom prst="rect">
             <a:avLst/>
@@ -6352,7 +6613,7 @@
       </p:sp>
       <p:pic>
         <p:nvPicPr>
-          <p:cNvPr id="129" name="Imagem 3" descr=""/>
+          <p:cNvPr id="129" name="Imagem 9" descr=""/>
           <p:cNvPicPr/>
           <p:nvPr/>
         </p:nvPicPr>
@@ -6363,7 +6624,7 @@
         <p:spPr>
           <a:xfrm>
             <a:off x="3240" y="6261480"/>
-            <a:ext cx="1237680" cy="709920"/>
+            <a:ext cx="1236960" cy="709200"/>
           </a:xfrm>
           <a:prstGeom prst="rect">
             <a:avLst/>
@@ -6375,14 +6636,14 @@
       </p:pic>
       <p:sp>
         <p:nvSpPr>
-          <p:cNvPr id="130" name="CaixaDeTexto 19"/>
+          <p:cNvPr id="130" name="CaixaDeTexto 26"/>
           <p:cNvSpPr/>
           <p:nvPr/>
         </p:nvSpPr>
         <p:spPr>
           <a:xfrm>
             <a:off x="6629400" y="6362640"/>
-            <a:ext cx="5856480" cy="333000"/>
+            <a:ext cx="5855760" cy="333000"/>
           </a:xfrm>
           <a:prstGeom prst="rect">
             <a:avLst/>
@@ -6436,9 +6697,300 @@
           <a:stretch/>
         </p:blipFill>
         <p:spPr>
+          <a:xfrm rot="21594000">
+            <a:off x="2418480" y="1131480"/>
+            <a:ext cx="7133040" cy="4949640"/>
+          </a:xfrm>
+          <a:prstGeom prst="rect">
+            <a:avLst/>
+          </a:prstGeom>
+          <a:ln w="0">
+            <a:noFill/>
+          </a:ln>
+        </p:spPr>
+      </p:pic>
+    </p:spTree>
+  </p:cSld>
+  <mc:AlternateContent>
+    <mc:Choice Requires="p14">
+      <p:transition spd="slow" p14:dur="2000"/>
+    </mc:Choice>
+    <mc:Fallback>
+      <p:transition spd="slow"/>
+    </mc:Fallback>
+  </mc:AlternateContent>
+</p:sld>
+</file>
+
+<file path=ppt/slides/slide19.xml><?xml version="1.0" encoding="utf-8"?>
+<p:sld xmlns:a="http://schemas.openxmlformats.org/drawingml/2006/main" xmlns:p="http://schemas.openxmlformats.org/presentationml/2006/main" xmlns:r="http://schemas.openxmlformats.org/officeDocument/2006/relationships" xmlns:p14="http://schemas.microsoft.com/office/powerpoint/2010/main" xmlns:p15="http://schemas.microsoft.com/office/powerpoint/2012/main" xmlns:mc="http://schemas.openxmlformats.org/markup-compatibility/2006" show="0">
+  <p:cSld>
+    <p:spTree>
+      <p:nvGrpSpPr>
+        <p:cNvPr id="1" name=""/>
+        <p:cNvGrpSpPr/>
+        <p:nvPr/>
+      </p:nvGrpSpPr>
+      <p:grpSpPr>
+        <a:xfrm>
+          <a:off x="0" y="0"/>
+          <a:ext cx="0" cy="0"/>
+          <a:chOff x="0" y="0"/>
+          <a:chExt cx="0" cy="0"/>
+        </a:xfrm>
+      </p:grpSpPr>
+      <p:sp>
+        <p:nvSpPr>
+          <p:cNvPr id="132" name="PlaceHolder 1"/>
+          <p:cNvSpPr>
+            <a:spLocks noGrp="1"/>
+          </p:cNvSpPr>
+          <p:nvPr>
+            <p:ph type="title"/>
+          </p:nvPr>
+        </p:nvSpPr>
+        <p:spPr>
+          <a:xfrm>
+            <a:off x="621720" y="-131400"/>
+            <a:ext cx="9141840" cy="1153080"/>
+          </a:xfrm>
+          <a:prstGeom prst="rect">
+            <a:avLst/>
+          </a:prstGeom>
+          <a:noFill/>
+          <a:ln w="0">
+            <a:noFill/>
+          </a:ln>
+        </p:spPr>
+        <p:txBody>
+          <a:bodyPr lIns="0" rIns="0" tIns="0" bIns="0" anchor="b">
+            <a:noAutofit/>
+          </a:bodyPr>
+          <a:p>
+            <a:pPr>
+              <a:lnSpc>
+                <a:spcPct val="90000"/>
+              </a:lnSpc>
+              <a:buNone/>
+            </a:pPr>
+            <a:r>
+              <a:rPr b="0" lang="pt-PT" sz="4000" spc="-1" strike="noStrike">
+                <a:solidFill>
+                  <a:srgbClr val="870f11"/>
+                </a:solidFill>
+                <a:latin typeface="Calibri"/>
+                <a:ea typeface="Calibri Light"/>
+              </a:rPr>
+              <a:t>4- </a:t>
+            </a:r>
+            <a:r>
+              <a:rPr b="0" lang="pt-PT" sz="4000" spc="-1" strike="noStrike" u="sng">
+                <a:solidFill>
+                  <a:srgbClr val="870f11"/>
+                </a:solidFill>
+                <a:uFillTx/>
+                <a:latin typeface="Calibri"/>
+                <a:ea typeface="Calibri Light"/>
+              </a:rPr>
+              <a:t>Modelo Lógico</a:t>
+            </a:r>
+            <a:endParaRPr b="0" lang="en-US" sz="4000" spc="-1" strike="noStrike">
+              <a:latin typeface="Arial"/>
+            </a:endParaRPr>
+          </a:p>
+        </p:txBody>
+      </p:sp>
+      <p:sp>
+        <p:nvSpPr>
+          <p:cNvPr id="133" name="Retângulo 10"/>
+          <p:cNvSpPr/>
+          <p:nvPr/>
+        </p:nvSpPr>
+        <p:spPr>
+          <a:xfrm>
+            <a:off x="0" y="6233760"/>
+            <a:ext cx="12189960" cy="622080"/>
+          </a:xfrm>
+          <a:prstGeom prst="rect">
+            <a:avLst/>
+          </a:prstGeom>
+          <a:solidFill>
+            <a:srgbClr val="870f11"/>
+          </a:solidFill>
+          <a:ln>
+            <a:solidFill>
+              <a:srgbClr val="870f11"/>
+            </a:solidFill>
+          </a:ln>
+        </p:spPr>
+        <p:style>
+          <a:lnRef idx="2">
+            <a:schemeClr val="accent1">
+              <a:shade val="50000"/>
+            </a:schemeClr>
+          </a:lnRef>
+          <a:fillRef idx="1">
+            <a:schemeClr val="accent1"/>
+          </a:fillRef>
+          <a:effectRef idx="0">
+            <a:schemeClr val="accent1"/>
+          </a:effectRef>
+          <a:fontRef idx="minor"/>
+        </p:style>
+      </p:sp>
+      <p:sp>
+        <p:nvSpPr>
+          <p:cNvPr id="134" name="CaixaDeTexto 18"/>
+          <p:cNvSpPr/>
+          <p:nvPr/>
+        </p:nvSpPr>
+        <p:spPr>
+          <a:xfrm>
+            <a:off x="1523880" y="1718640"/>
+            <a:ext cx="9024480" cy="1126080"/>
+          </a:xfrm>
+          <a:prstGeom prst="rect">
+            <a:avLst/>
+          </a:prstGeom>
+          <a:noFill/>
+          <a:ln w="0">
+            <a:noFill/>
+          </a:ln>
+        </p:spPr>
+        <p:style>
+          <a:lnRef idx="0"/>
+          <a:fillRef idx="0"/>
+          <a:effectRef idx="0"/>
+          <a:fontRef idx="minor"/>
+        </p:style>
+        <p:txBody>
+          <a:bodyPr numCol="1" spcCol="0" horzOverflow="overflow" vertOverflow="overflow" lIns="90000" rIns="90000" tIns="45000" bIns="45000" anchor="t">
+            <a:spAutoFit/>
+          </a:bodyPr>
+          <a:p>
+            <a:pPr algn="just">
+              <a:lnSpc>
+                <a:spcPct val="100000"/>
+              </a:lnSpc>
+              <a:buNone/>
+            </a:pPr>
+            <a:endParaRPr b="0" lang="en-US" sz="2000" spc="-1" strike="noStrike">
+              <a:latin typeface="Arial"/>
+            </a:endParaRPr>
+          </a:p>
+          <a:p>
+            <a:pPr algn="ctr">
+              <a:lnSpc>
+                <a:spcPct val="100000"/>
+              </a:lnSpc>
+              <a:buNone/>
+            </a:pPr>
+            <a:endParaRPr b="0" lang="en-US" sz="2400" spc="-1" strike="noStrike">
+              <a:latin typeface="Arial"/>
+            </a:endParaRPr>
+          </a:p>
+          <a:p>
+            <a:pPr algn="ctr">
+              <a:lnSpc>
+                <a:spcPct val="100000"/>
+              </a:lnSpc>
+              <a:buNone/>
+            </a:pPr>
+            <a:endParaRPr b="0" lang="en-US" sz="2400" spc="-1" strike="noStrike">
+              <a:latin typeface="Arial"/>
+            </a:endParaRPr>
+          </a:p>
+        </p:txBody>
+      </p:sp>
+      <p:pic>
+        <p:nvPicPr>
+          <p:cNvPr id="135" name="Imagem 11" descr=""/>
+          <p:cNvPicPr/>
+          <p:nvPr/>
+        </p:nvPicPr>
+        <p:blipFill>
+          <a:blip r:embed="rId1"/>
+          <a:stretch/>
+        </p:blipFill>
+        <p:spPr>
+          <a:xfrm>
+            <a:off x="3240" y="6261480"/>
+            <a:ext cx="1236960" cy="709200"/>
+          </a:xfrm>
+          <a:prstGeom prst="rect">
+            <a:avLst/>
+          </a:prstGeom>
+          <a:ln w="0">
+            <a:noFill/>
+          </a:ln>
+        </p:spPr>
+      </p:pic>
+      <p:sp>
+        <p:nvSpPr>
+          <p:cNvPr id="136" name="CaixaDeTexto 27"/>
+          <p:cNvSpPr/>
+          <p:nvPr/>
+        </p:nvSpPr>
+        <p:spPr>
+          <a:xfrm>
+            <a:off x="6629400" y="6362640"/>
+            <a:ext cx="5855760" cy="333000"/>
+          </a:xfrm>
+          <a:prstGeom prst="rect">
+            <a:avLst/>
+          </a:prstGeom>
+          <a:noFill/>
+          <a:ln w="0">
+            <a:noFill/>
+          </a:ln>
+        </p:spPr>
+        <p:style>
+          <a:lnRef idx="0"/>
+          <a:fillRef idx="0"/>
+          <a:effectRef idx="0"/>
+          <a:fontRef idx="minor"/>
+        </p:style>
+        <p:txBody>
+          <a:bodyPr numCol="1" spcCol="0" horzOverflow="overflow" vertOverflow="overflow" lIns="90000" rIns="90000" tIns="45000" bIns="45000" anchor="t">
+            <a:spAutoFit/>
+          </a:bodyPr>
+          <a:p>
+            <a:pPr>
+              <a:lnSpc>
+                <a:spcPct val="100000"/>
+              </a:lnSpc>
+              <a:buNone/>
+            </a:pPr>
+            <a:r>
+              <a:rPr b="0" lang="pt-PT" sz="1600" spc="-1" strike="noStrike">
+                <a:solidFill>
+                  <a:srgbClr val="ffffff"/>
+                </a:solidFill>
+                <a:latin typeface="Calibri"/>
+                <a:ea typeface="DejaVu Sans"/>
+              </a:rPr>
+              <a:t>Bases de Dados – Jogos Olímpicos   |   Checkpoint 1/2 - Grupo 8</a:t>
+            </a:r>
+            <a:endParaRPr b="0" lang="en-US" sz="1600" spc="-1" strike="noStrike">
+              <a:latin typeface="Arial"/>
+            </a:endParaRPr>
+          </a:p>
+        </p:txBody>
+      </p:sp>
+      <p:pic>
+        <p:nvPicPr>
+          <p:cNvPr id="137" name="" descr=""/>
+          <p:cNvPicPr/>
+          <p:nvPr/>
+        </p:nvPicPr>
+        <p:blipFill>
+          <a:blip r:embed="rId2"/>
+          <a:stretch/>
+        </p:blipFill>
+        <p:spPr>
           <a:xfrm>
             <a:off x="2743200" y="1143000"/>
-            <a:ext cx="6109920" cy="5029200"/>
+            <a:ext cx="6109200" cy="5028480"/>
           </a:xfrm>
           <a:prstGeom prst="rect">
             <a:avLst/>
@@ -6480,7 +7032,7 @@
       </p:grpSpPr>
       <p:sp>
         <p:nvSpPr>
-          <p:cNvPr id="45" name="PlaceHolder 1"/>
+          <p:cNvPr id="46" name="PlaceHolder 1"/>
           <p:cNvSpPr>
             <a:spLocks noGrp="1"/>
           </p:cNvSpPr>
@@ -6491,7 +7043,7 @@
         <p:spPr>
           <a:xfrm>
             <a:off x="1525680" y="275040"/>
-            <a:ext cx="9142560" cy="1153800"/>
+            <a:ext cx="9141840" cy="1153080"/>
           </a:xfrm>
           <a:prstGeom prst="rect">
             <a:avLst/>
@@ -6529,14 +7081,14 @@
       </p:sp>
       <p:sp>
         <p:nvSpPr>
-          <p:cNvPr id="46" name="Retângulo 4"/>
+          <p:cNvPr id="47" name="Retângulo 7"/>
           <p:cNvSpPr/>
           <p:nvPr/>
         </p:nvSpPr>
         <p:spPr>
           <a:xfrm>
             <a:off x="0" y="6233760"/>
-            <a:ext cx="12190680" cy="622800"/>
+            <a:ext cx="12189960" cy="622080"/>
           </a:xfrm>
           <a:prstGeom prst="rect">
             <a:avLst/>
@@ -6567,14 +7119,14 @@
       </p:sp>
       <p:sp>
         <p:nvSpPr>
-          <p:cNvPr id="47" name="CaixaDeTexto 5"/>
+          <p:cNvPr id="48" name="CaixaDeTexto 9"/>
           <p:cNvSpPr/>
           <p:nvPr/>
         </p:nvSpPr>
         <p:spPr>
           <a:xfrm>
             <a:off x="1823400" y="1845720"/>
-            <a:ext cx="6793560" cy="3838680"/>
+            <a:ext cx="6792840" cy="3838680"/>
           </a:xfrm>
           <a:prstGeom prst="rect">
             <a:avLst/>
@@ -6753,7 +7305,7 @@
       </p:sp>
       <p:pic>
         <p:nvPicPr>
-          <p:cNvPr id="48" name="Imagem 3" descr=""/>
+          <p:cNvPr id="49" name="Imagem 8" descr=""/>
           <p:cNvPicPr/>
           <p:nvPr/>
         </p:nvPicPr>
@@ -6764,7 +7316,7 @@
         <p:spPr>
           <a:xfrm>
             <a:off x="3240" y="6261480"/>
-            <a:ext cx="1237680" cy="709920"/>
+            <a:ext cx="1236960" cy="709200"/>
           </a:xfrm>
           <a:prstGeom prst="rect">
             <a:avLst/>
@@ -6776,14 +7328,14 @@
       </p:pic>
       <p:sp>
         <p:nvSpPr>
-          <p:cNvPr id="49" name="CaixaDeTexto 3"/>
+          <p:cNvPr id="50" name="CaixaDeTexto 12"/>
           <p:cNvSpPr/>
           <p:nvPr/>
         </p:nvSpPr>
         <p:spPr>
           <a:xfrm>
             <a:off x="6629400" y="6400800"/>
-            <a:ext cx="5808960" cy="333000"/>
+            <a:ext cx="5808240" cy="333000"/>
           </a:xfrm>
           <a:prstGeom prst="rect">
             <a:avLst/>
@@ -6826,6 +7378,632 @@
           </a:p>
         </p:txBody>
       </p:sp>
+    </p:spTree>
+  </p:cSld>
+  <mc:AlternateContent>
+    <mc:Choice Requires="p14">
+      <p:transition spd="slow" p14:dur="2000"/>
+    </mc:Choice>
+    <mc:Fallback>
+      <p:transition spd="slow"/>
+    </mc:Fallback>
+  </mc:AlternateContent>
+</p:sld>
+</file>
+
+<file path=ppt/slides/slide20.xml><?xml version="1.0" encoding="utf-8"?>
+<p:sld xmlns:a="http://schemas.openxmlformats.org/drawingml/2006/main" xmlns:p="http://schemas.openxmlformats.org/presentationml/2006/main" xmlns:r="http://schemas.openxmlformats.org/officeDocument/2006/relationships" xmlns:p14="http://schemas.microsoft.com/office/powerpoint/2010/main" xmlns:p15="http://schemas.microsoft.com/office/powerpoint/2012/main" xmlns:mc="http://schemas.openxmlformats.org/markup-compatibility/2006" show="0">
+  <p:cSld>
+    <p:spTree>
+      <p:nvGrpSpPr>
+        <p:cNvPr id="1" name=""/>
+        <p:cNvGrpSpPr/>
+        <p:nvPr/>
+      </p:nvGrpSpPr>
+      <p:grpSpPr>
+        <a:xfrm>
+          <a:off x="0" y="0"/>
+          <a:ext cx="0" cy="0"/>
+          <a:chOff x="0" y="0"/>
+          <a:chExt cx="0" cy="0"/>
+        </a:xfrm>
+      </p:grpSpPr>
+      <p:sp>
+        <p:nvSpPr>
+          <p:cNvPr id="138" name="PlaceHolder 1"/>
+          <p:cNvSpPr>
+            <a:spLocks noGrp="1"/>
+          </p:cNvSpPr>
+          <p:nvPr>
+            <p:ph type="title"/>
+          </p:nvPr>
+        </p:nvSpPr>
+        <p:spPr>
+          <a:xfrm>
+            <a:off x="621720" y="-131400"/>
+            <a:ext cx="9141840" cy="1153080"/>
+          </a:xfrm>
+          <a:prstGeom prst="rect">
+            <a:avLst/>
+          </a:prstGeom>
+          <a:noFill/>
+          <a:ln w="0">
+            <a:noFill/>
+          </a:ln>
+        </p:spPr>
+        <p:txBody>
+          <a:bodyPr lIns="0" rIns="0" tIns="0" bIns="0" anchor="b">
+            <a:noAutofit/>
+          </a:bodyPr>
+          <a:p>
+            <a:pPr>
+              <a:lnSpc>
+                <a:spcPct val="90000"/>
+              </a:lnSpc>
+              <a:buNone/>
+            </a:pPr>
+            <a:r>
+              <a:rPr b="0" lang="pt-PT" sz="4000" spc="-1" strike="noStrike">
+                <a:solidFill>
+                  <a:srgbClr val="870f11"/>
+                </a:solidFill>
+                <a:latin typeface="Calibri"/>
+                <a:ea typeface="Calibri Light"/>
+              </a:rPr>
+              <a:t>	</a:t>
+            </a:r>
+            <a:r>
+              <a:rPr b="0" lang="pt-PT" sz="4000" spc="-1" strike="noStrike">
+                <a:solidFill>
+                  <a:srgbClr val="870f11"/>
+                </a:solidFill>
+                <a:latin typeface="Calibri"/>
+                <a:ea typeface="Calibri Light"/>
+              </a:rPr>
+              <a:t>Implementação Fisica</a:t>
+            </a:r>
+            <a:endParaRPr b="0" lang="en-US" sz="4000" spc="-1" strike="noStrike">
+              <a:latin typeface="Arial"/>
+            </a:endParaRPr>
+          </a:p>
+        </p:txBody>
+      </p:sp>
+      <p:sp>
+        <p:nvSpPr>
+          <p:cNvPr id="139" name="Retângulo 9"/>
+          <p:cNvSpPr/>
+          <p:nvPr/>
+        </p:nvSpPr>
+        <p:spPr>
+          <a:xfrm>
+            <a:off x="0" y="6233760"/>
+            <a:ext cx="12189960" cy="622080"/>
+          </a:xfrm>
+          <a:prstGeom prst="rect">
+            <a:avLst/>
+          </a:prstGeom>
+          <a:solidFill>
+            <a:srgbClr val="870f11"/>
+          </a:solidFill>
+          <a:ln>
+            <a:solidFill>
+              <a:srgbClr val="870f11"/>
+            </a:solidFill>
+          </a:ln>
+        </p:spPr>
+        <p:style>
+          <a:lnRef idx="2">
+            <a:schemeClr val="accent1">
+              <a:shade val="50000"/>
+            </a:schemeClr>
+          </a:lnRef>
+          <a:fillRef idx="1">
+            <a:schemeClr val="accent1"/>
+          </a:fillRef>
+          <a:effectRef idx="0">
+            <a:schemeClr val="accent1"/>
+          </a:effectRef>
+          <a:fontRef idx="minor"/>
+        </p:style>
+      </p:sp>
+      <p:sp>
+        <p:nvSpPr>
+          <p:cNvPr id="140" name="CaixaDeTexto 28"/>
+          <p:cNvSpPr/>
+          <p:nvPr/>
+        </p:nvSpPr>
+        <p:spPr>
+          <a:xfrm>
+            <a:off x="1523880" y="1718640"/>
+            <a:ext cx="9024480" cy="1126080"/>
+          </a:xfrm>
+          <a:prstGeom prst="rect">
+            <a:avLst/>
+          </a:prstGeom>
+          <a:noFill/>
+          <a:ln w="0">
+            <a:noFill/>
+          </a:ln>
+        </p:spPr>
+        <p:style>
+          <a:lnRef idx="0"/>
+          <a:fillRef idx="0"/>
+          <a:effectRef idx="0"/>
+          <a:fontRef idx="minor"/>
+        </p:style>
+        <p:txBody>
+          <a:bodyPr numCol="1" spcCol="0" horzOverflow="overflow" vertOverflow="overflow" lIns="90000" rIns="90000" tIns="45000" bIns="45000" anchor="t">
+            <a:spAutoFit/>
+          </a:bodyPr>
+          <a:p>
+            <a:pPr algn="just">
+              <a:lnSpc>
+                <a:spcPct val="100000"/>
+              </a:lnSpc>
+              <a:buNone/>
+            </a:pPr>
+            <a:endParaRPr b="0" lang="en-US" sz="2000" spc="-1" strike="noStrike">
+              <a:latin typeface="Arial"/>
+            </a:endParaRPr>
+          </a:p>
+          <a:p>
+            <a:pPr algn="ctr">
+              <a:lnSpc>
+                <a:spcPct val="100000"/>
+              </a:lnSpc>
+              <a:buNone/>
+            </a:pPr>
+            <a:endParaRPr b="0" lang="en-US" sz="2400" spc="-1" strike="noStrike">
+              <a:latin typeface="Arial"/>
+            </a:endParaRPr>
+          </a:p>
+          <a:p>
+            <a:pPr algn="ctr">
+              <a:lnSpc>
+                <a:spcPct val="100000"/>
+              </a:lnSpc>
+              <a:buNone/>
+            </a:pPr>
+            <a:endParaRPr b="0" lang="en-US" sz="2400" spc="-1" strike="noStrike">
+              <a:latin typeface="Arial"/>
+            </a:endParaRPr>
+          </a:p>
+        </p:txBody>
+      </p:sp>
+      <p:pic>
+        <p:nvPicPr>
+          <p:cNvPr id="141" name="Imagem 10" descr=""/>
+          <p:cNvPicPr/>
+          <p:nvPr/>
+        </p:nvPicPr>
+        <p:blipFill>
+          <a:blip r:embed="rId1"/>
+          <a:stretch/>
+        </p:blipFill>
+        <p:spPr>
+          <a:xfrm>
+            <a:off x="3240" y="6261480"/>
+            <a:ext cx="1236960" cy="709200"/>
+          </a:xfrm>
+          <a:prstGeom prst="rect">
+            <a:avLst/>
+          </a:prstGeom>
+          <a:ln w="0">
+            <a:noFill/>
+          </a:ln>
+        </p:spPr>
+      </p:pic>
+      <p:sp>
+        <p:nvSpPr>
+          <p:cNvPr id="142" name="CaixaDeTexto 29"/>
+          <p:cNvSpPr/>
+          <p:nvPr/>
+        </p:nvSpPr>
+        <p:spPr>
+          <a:xfrm>
+            <a:off x="6629400" y="6362640"/>
+            <a:ext cx="5855760" cy="333000"/>
+          </a:xfrm>
+          <a:prstGeom prst="rect">
+            <a:avLst/>
+          </a:prstGeom>
+          <a:noFill/>
+          <a:ln w="0">
+            <a:noFill/>
+          </a:ln>
+        </p:spPr>
+        <p:style>
+          <a:lnRef idx="0"/>
+          <a:fillRef idx="0"/>
+          <a:effectRef idx="0"/>
+          <a:fontRef idx="minor"/>
+        </p:style>
+        <p:txBody>
+          <a:bodyPr numCol="1" spcCol="0" horzOverflow="overflow" vertOverflow="overflow" lIns="90000" rIns="90000" tIns="45000" bIns="45000" anchor="t">
+            <a:spAutoFit/>
+          </a:bodyPr>
+          <a:p>
+            <a:pPr>
+              <a:lnSpc>
+                <a:spcPct val="100000"/>
+              </a:lnSpc>
+              <a:buNone/>
+            </a:pPr>
+            <a:r>
+              <a:rPr b="0" lang="pt-PT" sz="1600" spc="-1" strike="noStrike">
+                <a:solidFill>
+                  <a:srgbClr val="ffffff"/>
+                </a:solidFill>
+                <a:latin typeface="Calibri"/>
+                <a:ea typeface="DejaVu Sans"/>
+              </a:rPr>
+              <a:t>Bases de Dados – Jogos Olímpicos   |   Checkpoint 1/2 - Grupo 8</a:t>
+            </a:r>
+            <a:endParaRPr b="0" lang="en-US" sz="1600" spc="-1" strike="noStrike">
+              <a:latin typeface="Arial"/>
+            </a:endParaRPr>
+          </a:p>
+        </p:txBody>
+      </p:sp>
+      <p:pic>
+        <p:nvPicPr>
+          <p:cNvPr id="143" name="" descr=""/>
+          <p:cNvPicPr/>
+          <p:nvPr/>
+        </p:nvPicPr>
+        <p:blipFill>
+          <a:blip r:embed="rId2"/>
+          <a:stretch/>
+        </p:blipFill>
+        <p:spPr>
+          <a:xfrm>
+            <a:off x="621720" y="1022040"/>
+            <a:ext cx="4896720" cy="4970160"/>
+          </a:xfrm>
+          <a:prstGeom prst="rect">
+            <a:avLst/>
+          </a:prstGeom>
+          <a:ln w="0">
+            <a:noFill/>
+          </a:ln>
+        </p:spPr>
+      </p:pic>
+      <p:pic>
+        <p:nvPicPr>
+          <p:cNvPr id="144" name="" descr=""/>
+          <p:cNvPicPr/>
+          <p:nvPr/>
+        </p:nvPicPr>
+        <p:blipFill>
+          <a:blip r:embed="rId3"/>
+          <a:stretch/>
+        </p:blipFill>
+        <p:spPr>
+          <a:xfrm>
+            <a:off x="6086880" y="1143000"/>
+            <a:ext cx="5378040" cy="4656960"/>
+          </a:xfrm>
+          <a:prstGeom prst="rect">
+            <a:avLst/>
+          </a:prstGeom>
+          <a:ln w="0">
+            <a:noFill/>
+          </a:ln>
+        </p:spPr>
+      </p:pic>
+    </p:spTree>
+  </p:cSld>
+  <mc:AlternateContent>
+    <mc:Choice Requires="p14">
+      <p:transition spd="slow" p14:dur="2000"/>
+    </mc:Choice>
+    <mc:Fallback>
+      <p:transition spd="slow"/>
+    </mc:Fallback>
+  </mc:AlternateContent>
+</p:sld>
+</file>
+
+<file path=ppt/slides/slide21.xml><?xml version="1.0" encoding="utf-8"?>
+<p:sld xmlns:a="http://schemas.openxmlformats.org/drawingml/2006/main" xmlns:p="http://schemas.openxmlformats.org/presentationml/2006/main" xmlns:r="http://schemas.openxmlformats.org/officeDocument/2006/relationships" xmlns:p14="http://schemas.microsoft.com/office/powerpoint/2010/main" xmlns:p15="http://schemas.microsoft.com/office/powerpoint/2012/main" xmlns:mc="http://schemas.openxmlformats.org/markup-compatibility/2006" show="0">
+  <p:cSld>
+    <p:spTree>
+      <p:nvGrpSpPr>
+        <p:cNvPr id="1" name=""/>
+        <p:cNvGrpSpPr/>
+        <p:nvPr/>
+      </p:nvGrpSpPr>
+      <p:grpSpPr>
+        <a:xfrm>
+          <a:off x="0" y="0"/>
+          <a:ext cx="0" cy="0"/>
+          <a:chOff x="0" y="0"/>
+          <a:chExt cx="0" cy="0"/>
+        </a:xfrm>
+      </p:grpSpPr>
+      <p:sp>
+        <p:nvSpPr>
+          <p:cNvPr id="145" name="PlaceHolder 1"/>
+          <p:cNvSpPr>
+            <a:spLocks noGrp="1"/>
+          </p:cNvSpPr>
+          <p:nvPr>
+            <p:ph type="title"/>
+          </p:nvPr>
+        </p:nvSpPr>
+        <p:spPr>
+          <a:xfrm>
+            <a:off x="621720" y="-244080"/>
+            <a:ext cx="9141840" cy="1153080"/>
+          </a:xfrm>
+          <a:prstGeom prst="rect">
+            <a:avLst/>
+          </a:prstGeom>
+          <a:noFill/>
+          <a:ln w="0">
+            <a:noFill/>
+          </a:ln>
+        </p:spPr>
+        <p:txBody>
+          <a:bodyPr lIns="0" rIns="0" tIns="0" bIns="0" anchor="b">
+            <a:noAutofit/>
+          </a:bodyPr>
+          <a:p>
+            <a:pPr>
+              <a:lnSpc>
+                <a:spcPct val="90000"/>
+              </a:lnSpc>
+              <a:buNone/>
+            </a:pPr>
+            <a:r>
+              <a:rPr b="0" lang="pt-PT" sz="4000" spc="-1" strike="noStrike">
+                <a:solidFill>
+                  <a:srgbClr val="870f11"/>
+                </a:solidFill>
+                <a:latin typeface="Calibri"/>
+                <a:ea typeface="Calibri Light"/>
+              </a:rPr>
+              <a:t>	</a:t>
+            </a:r>
+            <a:r>
+              <a:rPr b="0" lang="pt-PT" sz="4000" spc="-1" strike="noStrike">
+                <a:solidFill>
+                  <a:srgbClr val="870f11"/>
+                </a:solidFill>
+                <a:latin typeface="Calibri"/>
+                <a:ea typeface="Calibri Light"/>
+              </a:rPr>
+              <a:t>Implementação Fisica</a:t>
+            </a:r>
+            <a:endParaRPr b="0" lang="en-US" sz="4000" spc="-1" strike="noStrike">
+              <a:latin typeface="Arial"/>
+            </a:endParaRPr>
+          </a:p>
+        </p:txBody>
+      </p:sp>
+      <p:sp>
+        <p:nvSpPr>
+          <p:cNvPr id="146" name="Retângulo 11"/>
+          <p:cNvSpPr/>
+          <p:nvPr/>
+        </p:nvSpPr>
+        <p:spPr>
+          <a:xfrm>
+            <a:off x="0" y="6233760"/>
+            <a:ext cx="12189960" cy="622080"/>
+          </a:xfrm>
+          <a:prstGeom prst="rect">
+            <a:avLst/>
+          </a:prstGeom>
+          <a:solidFill>
+            <a:srgbClr val="870f11"/>
+          </a:solidFill>
+          <a:ln>
+            <a:solidFill>
+              <a:srgbClr val="870f11"/>
+            </a:solidFill>
+          </a:ln>
+        </p:spPr>
+        <p:style>
+          <a:lnRef idx="2">
+            <a:schemeClr val="accent1">
+              <a:shade val="50000"/>
+            </a:schemeClr>
+          </a:lnRef>
+          <a:fillRef idx="1">
+            <a:schemeClr val="accent1"/>
+          </a:fillRef>
+          <a:effectRef idx="0">
+            <a:schemeClr val="accent1"/>
+          </a:effectRef>
+          <a:fontRef idx="minor"/>
+        </p:style>
+      </p:sp>
+      <p:sp>
+        <p:nvSpPr>
+          <p:cNvPr id="147" name="CaixaDeTexto 30"/>
+          <p:cNvSpPr/>
+          <p:nvPr/>
+        </p:nvSpPr>
+        <p:spPr>
+          <a:xfrm>
+            <a:off x="1523880" y="1718640"/>
+            <a:ext cx="9024480" cy="1126080"/>
+          </a:xfrm>
+          <a:prstGeom prst="rect">
+            <a:avLst/>
+          </a:prstGeom>
+          <a:noFill/>
+          <a:ln w="0">
+            <a:noFill/>
+          </a:ln>
+        </p:spPr>
+        <p:style>
+          <a:lnRef idx="0"/>
+          <a:fillRef idx="0"/>
+          <a:effectRef idx="0"/>
+          <a:fontRef idx="minor"/>
+        </p:style>
+        <p:txBody>
+          <a:bodyPr numCol="1" spcCol="0" horzOverflow="overflow" vertOverflow="overflow" lIns="90000" rIns="90000" tIns="45000" bIns="45000" anchor="t">
+            <a:spAutoFit/>
+          </a:bodyPr>
+          <a:p>
+            <a:pPr algn="just">
+              <a:lnSpc>
+                <a:spcPct val="100000"/>
+              </a:lnSpc>
+              <a:buNone/>
+            </a:pPr>
+            <a:endParaRPr b="0" lang="en-US" sz="2000" spc="-1" strike="noStrike">
+              <a:latin typeface="Arial"/>
+            </a:endParaRPr>
+          </a:p>
+          <a:p>
+            <a:pPr algn="ctr">
+              <a:lnSpc>
+                <a:spcPct val="100000"/>
+              </a:lnSpc>
+              <a:buNone/>
+            </a:pPr>
+            <a:endParaRPr b="0" lang="en-US" sz="2400" spc="-1" strike="noStrike">
+              <a:latin typeface="Arial"/>
+            </a:endParaRPr>
+          </a:p>
+          <a:p>
+            <a:pPr algn="ctr">
+              <a:lnSpc>
+                <a:spcPct val="100000"/>
+              </a:lnSpc>
+              <a:buNone/>
+            </a:pPr>
+            <a:endParaRPr b="0" lang="en-US" sz="2400" spc="-1" strike="noStrike">
+              <a:latin typeface="Arial"/>
+            </a:endParaRPr>
+          </a:p>
+        </p:txBody>
+      </p:sp>
+      <p:pic>
+        <p:nvPicPr>
+          <p:cNvPr id="148" name="Imagem 12" descr=""/>
+          <p:cNvPicPr/>
+          <p:nvPr/>
+        </p:nvPicPr>
+        <p:blipFill>
+          <a:blip r:embed="rId1"/>
+          <a:stretch/>
+        </p:blipFill>
+        <p:spPr>
+          <a:xfrm>
+            <a:off x="3240" y="6261480"/>
+            <a:ext cx="1236960" cy="709200"/>
+          </a:xfrm>
+          <a:prstGeom prst="rect">
+            <a:avLst/>
+          </a:prstGeom>
+          <a:ln w="0">
+            <a:noFill/>
+          </a:ln>
+        </p:spPr>
+      </p:pic>
+      <p:sp>
+        <p:nvSpPr>
+          <p:cNvPr id="149" name="CaixaDeTexto 31"/>
+          <p:cNvSpPr/>
+          <p:nvPr/>
+        </p:nvSpPr>
+        <p:spPr>
+          <a:xfrm>
+            <a:off x="6629400" y="6362640"/>
+            <a:ext cx="5855760" cy="333000"/>
+          </a:xfrm>
+          <a:prstGeom prst="rect">
+            <a:avLst/>
+          </a:prstGeom>
+          <a:noFill/>
+          <a:ln w="0">
+            <a:noFill/>
+          </a:ln>
+        </p:spPr>
+        <p:style>
+          <a:lnRef idx="0"/>
+          <a:fillRef idx="0"/>
+          <a:effectRef idx="0"/>
+          <a:fontRef idx="minor"/>
+        </p:style>
+        <p:txBody>
+          <a:bodyPr numCol="1" spcCol="0" horzOverflow="overflow" vertOverflow="overflow" lIns="90000" rIns="90000" tIns="45000" bIns="45000" anchor="t">
+            <a:spAutoFit/>
+          </a:bodyPr>
+          <a:p>
+            <a:pPr>
+              <a:lnSpc>
+                <a:spcPct val="100000"/>
+              </a:lnSpc>
+              <a:buNone/>
+            </a:pPr>
+            <a:r>
+              <a:rPr b="0" lang="pt-PT" sz="1600" spc="-1" strike="noStrike">
+                <a:solidFill>
+                  <a:srgbClr val="ffffff"/>
+                </a:solidFill>
+                <a:latin typeface="Calibri"/>
+                <a:ea typeface="DejaVu Sans"/>
+              </a:rPr>
+              <a:t>Bases de Dados – Jogos Olímpicos   |   Checkpoint 1/2 - Grupo 8</a:t>
+            </a:r>
+            <a:endParaRPr b="0" lang="en-US" sz="1600" spc="-1" strike="noStrike">
+              <a:latin typeface="Arial"/>
+            </a:endParaRPr>
+          </a:p>
+        </p:txBody>
+      </p:sp>
+      <p:pic>
+        <p:nvPicPr>
+          <p:cNvPr id="150" name="" descr=""/>
+          <p:cNvPicPr/>
+          <p:nvPr/>
+        </p:nvPicPr>
+        <p:blipFill>
+          <a:blip r:embed="rId2"/>
+          <a:stretch/>
+        </p:blipFill>
+        <p:spPr>
+          <a:xfrm>
+            <a:off x="914400" y="1022040"/>
+            <a:ext cx="4826160" cy="5118120"/>
+          </a:xfrm>
+          <a:prstGeom prst="rect">
+            <a:avLst/>
+          </a:prstGeom>
+          <a:ln w="0">
+            <a:noFill/>
+          </a:ln>
+        </p:spPr>
+      </p:pic>
+      <p:pic>
+        <p:nvPicPr>
+          <p:cNvPr id="151" name="" descr=""/>
+          <p:cNvPicPr/>
+          <p:nvPr/>
+        </p:nvPicPr>
+        <p:blipFill>
+          <a:blip r:embed="rId3"/>
+          <a:stretch/>
+        </p:blipFill>
+        <p:spPr>
+          <a:xfrm>
+            <a:off x="6629400" y="1057680"/>
+            <a:ext cx="4421160" cy="5114160"/>
+          </a:xfrm>
+          <a:prstGeom prst="rect">
+            <a:avLst/>
+          </a:prstGeom>
+          <a:ln w="0">
+            <a:noFill/>
+          </a:ln>
+        </p:spPr>
+      </p:pic>
     </p:spTree>
   </p:cSld>
   <mc:AlternateContent>
@@ -6858,7 +8036,7 @@
       </p:grpSpPr>
       <p:sp>
         <p:nvSpPr>
-          <p:cNvPr id="50" name="PlaceHolder 1"/>
+          <p:cNvPr id="51" name="PlaceHolder 1"/>
           <p:cNvSpPr>
             <a:spLocks noGrp="1"/>
           </p:cNvSpPr>
@@ -6869,7 +8047,7 @@
         <p:spPr>
           <a:xfrm>
             <a:off x="1525680" y="275040"/>
-            <a:ext cx="9142560" cy="1153800"/>
+            <a:ext cx="9141840" cy="1153080"/>
           </a:xfrm>
           <a:prstGeom prst="rect">
             <a:avLst/>
@@ -6917,14 +8095,14 @@
       </p:sp>
       <p:sp>
         <p:nvSpPr>
-          <p:cNvPr id="51" name="Retângulo 4"/>
+          <p:cNvPr id="52" name="Retângulo 4"/>
           <p:cNvSpPr/>
           <p:nvPr/>
         </p:nvSpPr>
         <p:spPr>
           <a:xfrm>
             <a:off x="0" y="6233760"/>
-            <a:ext cx="12190680" cy="622800"/>
+            <a:ext cx="12189960" cy="622080"/>
           </a:xfrm>
           <a:prstGeom prst="rect">
             <a:avLst/>
@@ -6955,14 +8133,14 @@
       </p:sp>
       <p:sp>
         <p:nvSpPr>
-          <p:cNvPr id="52" name="CaixaDeTexto 5"/>
+          <p:cNvPr id="53" name="CaixaDeTexto 5"/>
           <p:cNvSpPr/>
           <p:nvPr/>
         </p:nvSpPr>
         <p:spPr>
           <a:xfrm>
             <a:off x="1814400" y="1845720"/>
-            <a:ext cx="6793560" cy="3412080"/>
+            <a:ext cx="6792840" cy="3412080"/>
           </a:xfrm>
           <a:prstGeom prst="rect">
             <a:avLst/>
@@ -7130,7 +8308,7 @@
       </p:sp>
       <p:pic>
         <p:nvPicPr>
-          <p:cNvPr id="53" name="Imagem 3" descr=""/>
+          <p:cNvPr id="54" name="Imagem 3" descr=""/>
           <p:cNvPicPr/>
           <p:nvPr/>
         </p:nvPicPr>
@@ -7141,7 +8319,7 @@
         <p:spPr>
           <a:xfrm>
             <a:off x="3240" y="6261480"/>
-            <a:ext cx="1237680" cy="709920"/>
+            <a:ext cx="1236960" cy="709200"/>
           </a:xfrm>
           <a:prstGeom prst="rect">
             <a:avLst/>
@@ -7153,14 +8331,14 @@
       </p:pic>
       <p:sp>
         <p:nvSpPr>
-          <p:cNvPr id="54" name="CaixaDeTexto 3"/>
+          <p:cNvPr id="55" name="CaixaDeTexto 3"/>
           <p:cNvSpPr/>
           <p:nvPr/>
         </p:nvSpPr>
         <p:spPr>
           <a:xfrm>
             <a:off x="6629400" y="6362640"/>
-            <a:ext cx="5856480" cy="333000"/>
+            <a:ext cx="5855760" cy="333000"/>
           </a:xfrm>
           <a:prstGeom prst="rect">
             <a:avLst/>
@@ -7235,7 +8413,7 @@
       </p:grpSpPr>
       <p:sp>
         <p:nvSpPr>
-          <p:cNvPr id="55" name="PlaceHolder 1"/>
+          <p:cNvPr id="56" name="PlaceHolder 1"/>
           <p:cNvSpPr>
             <a:spLocks noGrp="1"/>
           </p:cNvSpPr>
@@ -7246,7 +8424,7 @@
         <p:spPr>
           <a:xfrm>
             <a:off x="1525680" y="275040"/>
-            <a:ext cx="9142560" cy="1153800"/>
+            <a:ext cx="9141840" cy="1153080"/>
           </a:xfrm>
           <a:prstGeom prst="rect">
             <a:avLst/>
@@ -7284,14 +8462,14 @@
       </p:sp>
       <p:sp>
         <p:nvSpPr>
-          <p:cNvPr id="56" name="Retângulo 4"/>
+          <p:cNvPr id="57" name="Retângulo 4"/>
           <p:cNvSpPr/>
           <p:nvPr/>
         </p:nvSpPr>
         <p:spPr>
           <a:xfrm>
             <a:off x="0" y="6233760"/>
-            <a:ext cx="12190680" cy="622800"/>
+            <a:ext cx="12189960" cy="622080"/>
           </a:xfrm>
           <a:prstGeom prst="rect">
             <a:avLst/>
@@ -7322,14 +8500,14 @@
       </p:sp>
       <p:sp>
         <p:nvSpPr>
-          <p:cNvPr id="57" name="CaixaDeTexto 5"/>
+          <p:cNvPr id="58" name="CaixaDeTexto 5"/>
           <p:cNvSpPr/>
           <p:nvPr/>
         </p:nvSpPr>
         <p:spPr>
           <a:xfrm>
             <a:off x="1489680" y="1828800"/>
-            <a:ext cx="9025200" cy="2955600"/>
+            <a:ext cx="9024480" cy="2955600"/>
           </a:xfrm>
           <a:prstGeom prst="rect">
             <a:avLst/>
@@ -7449,7 +8627,7 @@
       </p:sp>
       <p:pic>
         <p:nvPicPr>
-          <p:cNvPr id="58" name="Imagem 3" descr=""/>
+          <p:cNvPr id="59" name="Imagem 3" descr=""/>
           <p:cNvPicPr/>
           <p:nvPr/>
         </p:nvPicPr>
@@ -7460,7 +8638,7 @@
         <p:spPr>
           <a:xfrm>
             <a:off x="3240" y="6261480"/>
-            <a:ext cx="1237680" cy="709920"/>
+            <a:ext cx="1236960" cy="709200"/>
           </a:xfrm>
           <a:prstGeom prst="rect">
             <a:avLst/>
@@ -7472,14 +8650,14 @@
       </p:pic>
       <p:sp>
         <p:nvSpPr>
-          <p:cNvPr id="59" name="CaixaDeTexto 1"/>
+          <p:cNvPr id="60" name="CaixaDeTexto 1"/>
           <p:cNvSpPr/>
           <p:nvPr/>
         </p:nvSpPr>
         <p:spPr>
           <a:xfrm>
             <a:off x="6629400" y="6362640"/>
-            <a:ext cx="5856480" cy="333000"/>
+            <a:ext cx="5855760" cy="333000"/>
           </a:xfrm>
           <a:prstGeom prst="rect">
             <a:avLst/>
@@ -7554,7 +8732,7 @@
       </p:grpSpPr>
       <p:sp>
         <p:nvSpPr>
-          <p:cNvPr id="60" name="PlaceHolder 1"/>
+          <p:cNvPr id="61" name="PlaceHolder 1"/>
           <p:cNvSpPr>
             <a:spLocks noGrp="1"/>
           </p:cNvSpPr>
@@ -7565,7 +8743,7 @@
         <p:spPr>
           <a:xfrm>
             <a:off x="1525680" y="275040"/>
-            <a:ext cx="9142560" cy="1153800"/>
+            <a:ext cx="9141840" cy="1153080"/>
           </a:xfrm>
           <a:prstGeom prst="rect">
             <a:avLst/>
@@ -7603,14 +8781,14 @@
       </p:sp>
       <p:sp>
         <p:nvSpPr>
-          <p:cNvPr id="61" name="Retângulo 4"/>
+          <p:cNvPr id="62" name="Retângulo 4"/>
           <p:cNvSpPr/>
           <p:nvPr/>
         </p:nvSpPr>
         <p:spPr>
           <a:xfrm>
             <a:off x="0" y="6233760"/>
-            <a:ext cx="12190680" cy="622800"/>
+            <a:ext cx="12189960" cy="622080"/>
           </a:xfrm>
           <a:prstGeom prst="rect">
             <a:avLst/>
@@ -7641,14 +8819,14 @@
       </p:sp>
       <p:sp>
         <p:nvSpPr>
-          <p:cNvPr id="62" name="CaixaDeTexto 5"/>
+          <p:cNvPr id="63" name="CaixaDeTexto 5"/>
           <p:cNvSpPr/>
           <p:nvPr/>
         </p:nvSpPr>
         <p:spPr>
           <a:xfrm>
             <a:off x="1523880" y="1645920"/>
-            <a:ext cx="9025200" cy="3565440"/>
+            <a:ext cx="9024480" cy="3565440"/>
           </a:xfrm>
           <a:prstGeom prst="rect">
             <a:avLst/>
@@ -7747,7 +8925,7 @@
       </p:sp>
       <p:pic>
         <p:nvPicPr>
-          <p:cNvPr id="63" name="Imagem 3" descr=""/>
+          <p:cNvPr id="64" name="Imagem 3" descr=""/>
           <p:cNvPicPr/>
           <p:nvPr/>
         </p:nvPicPr>
@@ -7758,7 +8936,7 @@
         <p:spPr>
           <a:xfrm>
             <a:off x="3240" y="6261480"/>
-            <a:ext cx="1237680" cy="709920"/>
+            <a:ext cx="1236960" cy="709200"/>
           </a:xfrm>
           <a:prstGeom prst="rect">
             <a:avLst/>
@@ -7770,14 +8948,14 @@
       </p:pic>
       <p:sp>
         <p:nvSpPr>
-          <p:cNvPr id="64" name="CaixaDeTexto 2"/>
+          <p:cNvPr id="65" name="CaixaDeTexto 2"/>
           <p:cNvSpPr/>
           <p:nvPr/>
         </p:nvSpPr>
         <p:spPr>
           <a:xfrm>
             <a:off x="6629400" y="6362640"/>
-            <a:ext cx="5856480" cy="333000"/>
+            <a:ext cx="5855760" cy="333000"/>
           </a:xfrm>
           <a:prstGeom prst="rect">
             <a:avLst/>
@@ -7852,7 +9030,7 @@
       </p:grpSpPr>
       <p:sp>
         <p:nvSpPr>
-          <p:cNvPr id="65" name="PlaceHolder 1"/>
+          <p:cNvPr id="66" name="PlaceHolder 1"/>
           <p:cNvSpPr>
             <a:spLocks noGrp="1"/>
           </p:cNvSpPr>
@@ -7863,7 +9041,7 @@
         <p:spPr>
           <a:xfrm>
             <a:off x="1525680" y="275040"/>
-            <a:ext cx="9142560" cy="1153800"/>
+            <a:ext cx="9141840" cy="1153080"/>
           </a:xfrm>
           <a:prstGeom prst="rect">
             <a:avLst/>
@@ -7901,14 +9079,14 @@
       </p:sp>
       <p:sp>
         <p:nvSpPr>
-          <p:cNvPr id="66" name="Retângulo 4"/>
+          <p:cNvPr id="67" name="Retângulo 4"/>
           <p:cNvSpPr/>
           <p:nvPr/>
         </p:nvSpPr>
         <p:spPr>
           <a:xfrm>
             <a:off x="0" y="6233760"/>
-            <a:ext cx="12190680" cy="622800"/>
+            <a:ext cx="12189960" cy="622080"/>
           </a:xfrm>
           <a:prstGeom prst="rect">
             <a:avLst/>
@@ -7939,14 +9117,14 @@
       </p:sp>
       <p:sp>
         <p:nvSpPr>
-          <p:cNvPr id="67" name="CaixaDeTexto 5"/>
+          <p:cNvPr id="68" name="CaixaDeTexto 5"/>
           <p:cNvSpPr/>
           <p:nvPr/>
         </p:nvSpPr>
         <p:spPr>
           <a:xfrm>
             <a:off x="1541160" y="1828800"/>
-            <a:ext cx="9025200" cy="5210280"/>
+            <a:ext cx="9024480" cy="5210280"/>
           </a:xfrm>
           <a:prstGeom prst="rect">
             <a:avLst/>
@@ -8139,7 +9317,7 @@
       </p:sp>
       <p:pic>
         <p:nvPicPr>
-          <p:cNvPr id="68" name="Imagem 3" descr=""/>
+          <p:cNvPr id="69" name="Imagem 3" descr=""/>
           <p:cNvPicPr/>
           <p:nvPr/>
         </p:nvPicPr>
@@ -8150,7 +9328,7 @@
         <p:spPr>
           <a:xfrm>
             <a:off x="3240" y="6261480"/>
-            <a:ext cx="1237680" cy="709920"/>
+            <a:ext cx="1236960" cy="709200"/>
           </a:xfrm>
           <a:prstGeom prst="rect">
             <a:avLst/>
@@ -8162,14 +9340,14 @@
       </p:pic>
       <p:sp>
         <p:nvSpPr>
-          <p:cNvPr id="69" name="CaixaDeTexto 4"/>
+          <p:cNvPr id="70" name="CaixaDeTexto 4"/>
           <p:cNvSpPr/>
           <p:nvPr/>
         </p:nvSpPr>
         <p:spPr>
           <a:xfrm>
             <a:off x="6629400" y="6362640"/>
-            <a:ext cx="5856480" cy="333000"/>
+            <a:ext cx="5855760" cy="333000"/>
           </a:xfrm>
           <a:prstGeom prst="rect">
             <a:avLst/>
@@ -8244,7 +9422,7 @@
       </p:grpSpPr>
       <p:sp>
         <p:nvSpPr>
-          <p:cNvPr id="70" name="PlaceHolder 1"/>
+          <p:cNvPr id="71" name="PlaceHolder 1"/>
           <p:cNvSpPr>
             <a:spLocks noGrp="1"/>
           </p:cNvSpPr>
@@ -8255,7 +9433,7 @@
         <p:spPr>
           <a:xfrm>
             <a:off x="1525680" y="275040"/>
-            <a:ext cx="9142560" cy="1153800"/>
+            <a:ext cx="9141840" cy="1153080"/>
           </a:xfrm>
           <a:prstGeom prst="rect">
             <a:avLst/>
@@ -8293,14 +9471,14 @@
       </p:sp>
       <p:sp>
         <p:nvSpPr>
-          <p:cNvPr id="71" name="Retângulo 4"/>
+          <p:cNvPr id="72" name="Retângulo 4"/>
           <p:cNvSpPr/>
           <p:nvPr/>
         </p:nvSpPr>
         <p:spPr>
           <a:xfrm>
             <a:off x="0" y="6233760"/>
-            <a:ext cx="12190680" cy="622800"/>
+            <a:ext cx="12189960" cy="622080"/>
           </a:xfrm>
           <a:prstGeom prst="rect">
             <a:avLst/>
@@ -8331,14 +9509,14 @@
       </p:sp>
       <p:sp>
         <p:nvSpPr>
-          <p:cNvPr id="72" name="CaixaDeTexto 5"/>
+          <p:cNvPr id="73" name="CaixaDeTexto 5"/>
           <p:cNvSpPr/>
           <p:nvPr/>
         </p:nvSpPr>
         <p:spPr>
           <a:xfrm>
             <a:off x="1523880" y="1645920"/>
-            <a:ext cx="9025200" cy="3687120"/>
+            <a:ext cx="9024480" cy="3687120"/>
           </a:xfrm>
           <a:prstGeom prst="rect">
             <a:avLst/>
@@ -8449,7 +9627,7 @@
       </p:sp>
       <p:pic>
         <p:nvPicPr>
-          <p:cNvPr id="73" name="Imagem 3" descr=""/>
+          <p:cNvPr id="74" name="Imagem 3" descr=""/>
           <p:cNvPicPr/>
           <p:nvPr/>
         </p:nvPicPr>
@@ -8460,7 +9638,7 @@
         <p:spPr>
           <a:xfrm>
             <a:off x="3240" y="6261480"/>
-            <a:ext cx="1237680" cy="709920"/>
+            <a:ext cx="1236960" cy="709200"/>
           </a:xfrm>
           <a:prstGeom prst="rect">
             <a:avLst/>
@@ -8472,14 +9650,14 @@
       </p:pic>
       <p:sp>
         <p:nvSpPr>
-          <p:cNvPr id="74" name="CaixaDeTexto 6"/>
+          <p:cNvPr id="75" name="CaixaDeTexto 6"/>
           <p:cNvSpPr/>
           <p:nvPr/>
         </p:nvSpPr>
         <p:spPr>
           <a:xfrm>
             <a:off x="6629400" y="6362640"/>
-            <a:ext cx="5856480" cy="333000"/>
+            <a:ext cx="5855760" cy="333000"/>
           </a:xfrm>
           <a:prstGeom prst="rect">
             <a:avLst/>
@@ -8554,7 +9732,7 @@
       </p:grpSpPr>
       <p:sp>
         <p:nvSpPr>
-          <p:cNvPr id="75" name="PlaceHolder 1"/>
+          <p:cNvPr id="76" name="PlaceHolder 1"/>
           <p:cNvSpPr>
             <a:spLocks noGrp="1"/>
           </p:cNvSpPr>
@@ -8565,7 +9743,7 @@
         <p:spPr>
           <a:xfrm>
             <a:off x="1525680" y="275040"/>
-            <a:ext cx="9142560" cy="1153800"/>
+            <a:ext cx="9141840" cy="1153080"/>
           </a:xfrm>
           <a:prstGeom prst="rect">
             <a:avLst/>
@@ -8613,14 +9791,14 @@
       </p:sp>
       <p:sp>
         <p:nvSpPr>
-          <p:cNvPr id="76" name="Retângulo 4"/>
+          <p:cNvPr id="77" name="Retângulo 4"/>
           <p:cNvSpPr/>
           <p:nvPr/>
         </p:nvSpPr>
         <p:spPr>
           <a:xfrm>
             <a:off x="0" y="6233760"/>
-            <a:ext cx="12190680" cy="622800"/>
+            <a:ext cx="12189960" cy="622080"/>
           </a:xfrm>
           <a:prstGeom prst="rect">
             <a:avLst/>
@@ -8651,14 +9829,14 @@
       </p:sp>
       <p:sp>
         <p:nvSpPr>
-          <p:cNvPr id="77" name="CaixaDeTexto 5"/>
+          <p:cNvPr id="78" name="CaixaDeTexto 5"/>
           <p:cNvSpPr/>
           <p:nvPr/>
         </p:nvSpPr>
         <p:spPr>
           <a:xfrm>
             <a:off x="1814400" y="1845720"/>
-            <a:ext cx="6793560" cy="2041560"/>
+            <a:ext cx="6792840" cy="2040840"/>
           </a:xfrm>
           <a:prstGeom prst="rect">
             <a:avLst/>
@@ -8776,7 +9954,7 @@
       </p:sp>
       <p:pic>
         <p:nvPicPr>
-          <p:cNvPr id="78" name="Imagem 3" descr=""/>
+          <p:cNvPr id="79" name="Imagem 3" descr=""/>
           <p:cNvPicPr/>
           <p:nvPr/>
         </p:nvPicPr>
@@ -8787,7 +9965,7 @@
         <p:spPr>
           <a:xfrm>
             <a:off x="3240" y="6261480"/>
-            <a:ext cx="1237680" cy="709920"/>
+            <a:ext cx="1236960" cy="709200"/>
           </a:xfrm>
           <a:prstGeom prst="rect">
             <a:avLst/>
@@ -8799,14 +9977,14 @@
       </p:pic>
       <p:sp>
         <p:nvSpPr>
-          <p:cNvPr id="79" name="CaixaDeTexto 10"/>
+          <p:cNvPr id="80" name="CaixaDeTexto 10"/>
           <p:cNvSpPr/>
           <p:nvPr/>
         </p:nvSpPr>
         <p:spPr>
           <a:xfrm>
             <a:off x="6629400" y="6362640"/>
-            <a:ext cx="5856480" cy="333000"/>
+            <a:ext cx="5855760" cy="333000"/>
           </a:xfrm>
           <a:prstGeom prst="rect">
             <a:avLst/>
@@ -8881,7 +10059,7 @@
       </p:grpSpPr>
       <p:sp>
         <p:nvSpPr>
-          <p:cNvPr id="80" name="PlaceHolder 1"/>
+          <p:cNvPr id="81" name="PlaceHolder 1"/>
           <p:cNvSpPr>
             <a:spLocks noGrp="1"/>
           </p:cNvSpPr>
@@ -8892,7 +10070,7 @@
         <p:spPr>
           <a:xfrm>
             <a:off x="1525680" y="275040"/>
-            <a:ext cx="9142560" cy="1153800"/>
+            <a:ext cx="9141840" cy="1153080"/>
           </a:xfrm>
           <a:prstGeom prst="rect">
             <a:avLst/>
@@ -8931,14 +10109,14 @@
       </p:sp>
       <p:sp>
         <p:nvSpPr>
-          <p:cNvPr id="81" name="Retângulo 6"/>
+          <p:cNvPr id="82" name="Retângulo 6"/>
           <p:cNvSpPr/>
           <p:nvPr/>
         </p:nvSpPr>
         <p:spPr>
           <a:xfrm>
             <a:off x="0" y="6233760"/>
-            <a:ext cx="12190680" cy="622800"/>
+            <a:ext cx="12189960" cy="622080"/>
           </a:xfrm>
           <a:prstGeom prst="rect">
             <a:avLst/>
@@ -8969,14 +10147,14 @@
       </p:sp>
       <p:sp>
         <p:nvSpPr>
-          <p:cNvPr id="82" name="CaixaDeTexto 7"/>
+          <p:cNvPr id="83" name="CaixaDeTexto 7"/>
           <p:cNvSpPr/>
           <p:nvPr/>
         </p:nvSpPr>
         <p:spPr>
           <a:xfrm>
             <a:off x="1523880" y="1718640"/>
-            <a:ext cx="9025200" cy="2040840"/>
+            <a:ext cx="9024480" cy="2040840"/>
           </a:xfrm>
           <a:prstGeom prst="rect">
             <a:avLst/>
@@ -9108,7 +10286,7 @@
       </p:sp>
       <p:pic>
         <p:nvPicPr>
-          <p:cNvPr id="83" name="Imagem 6" descr=""/>
+          <p:cNvPr id="84" name="Imagem 6" descr=""/>
           <p:cNvPicPr/>
           <p:nvPr/>
         </p:nvPicPr>
@@ -9119,7 +10297,7 @@
         <p:spPr>
           <a:xfrm>
             <a:off x="3240" y="6261480"/>
-            <a:ext cx="1237680" cy="709920"/>
+            <a:ext cx="1236960" cy="709200"/>
           </a:xfrm>
           <a:prstGeom prst="rect">
             <a:avLst/>
@@ -9131,14 +10309,14 @@
       </p:pic>
       <p:sp>
         <p:nvSpPr>
-          <p:cNvPr id="84" name="CaixaDeTexto 8"/>
+          <p:cNvPr id="85" name="CaixaDeTexto 8"/>
           <p:cNvSpPr/>
           <p:nvPr/>
         </p:nvSpPr>
         <p:spPr>
           <a:xfrm>
             <a:off x="6629400" y="6362640"/>
-            <a:ext cx="5856480" cy="333000"/>
+            <a:ext cx="5855760" cy="333000"/>
           </a:xfrm>
           <a:prstGeom prst="rect">
             <a:avLst/>
